--- a/ModernFortran.f10/20210724_リファクタリング.pptx
+++ b/ModernFortran.f10/20210724_リファクタリング.pptx
@@ -323,8 +323,8 @@
                 <a:solidFill>
                   <a:schemeClr val="tx1"/>
                 </a:solidFill>
-                <a:latin typeface="Calibri"/>
-                <a:ea typeface="Calibri"/>
+                <a:latin typeface="Consolas" panose="020B0609020204030204" pitchFamily="49" charset="0"/>
+                <a:ea typeface="+mn-ea"/>
                 <a:cs typeface="Calibri"/>
                 <a:sym typeface="Calibri"/>
               </a:defRPr>
@@ -437,8 +437,8 @@
                 <a:solidFill>
                   <a:schemeClr val="tx1"/>
                 </a:solidFill>
-                <a:latin typeface="Calibri"/>
-                <a:ea typeface="Calibri"/>
+                <a:latin typeface="Consolas" panose="020B0609020204030204" pitchFamily="49" charset="0"/>
+                <a:ea typeface="+mn-ea"/>
                 <a:cs typeface="Calibri"/>
                 <a:sym typeface="Calibri"/>
               </a:defRPr>
@@ -1864,8 +1864,8 @@
                 <a:solidFill>
                   <a:schemeClr val="tx1"/>
                 </a:solidFill>
-                <a:latin typeface="Calibri"/>
-                <a:ea typeface="Calibri"/>
+                <a:latin typeface="Consolas" panose="020B0609020204030204" pitchFamily="49" charset="0"/>
+                <a:ea typeface="+mn-ea"/>
                 <a:cs typeface="Calibri"/>
                 <a:sym typeface="Calibri"/>
               </a:defRPr>
@@ -1983,8 +1983,8 @@
                 <a:solidFill>
                   <a:schemeClr val="tx1"/>
                 </a:solidFill>
-                <a:latin typeface="Calibri"/>
-                <a:ea typeface="Calibri"/>
+                <a:latin typeface="Consolas" panose="020B0609020204030204" pitchFamily="49" charset="0"/>
+                <a:ea typeface="+mn-ea"/>
                 <a:cs typeface="Calibri"/>
                 <a:sym typeface="Calibri"/>
               </a:defRPr>
@@ -2006,8 +2006,8 @@
                 <a:solidFill>
                   <a:schemeClr val="tx1"/>
                 </a:solidFill>
-                <a:latin typeface="Calibri"/>
-                <a:ea typeface="Calibri"/>
+                <a:latin typeface="Consolas" panose="020B0609020204030204" pitchFamily="49" charset="0"/>
+                <a:ea typeface="+mn-ea"/>
                 <a:cs typeface="Calibri"/>
                 <a:sym typeface="Calibri"/>
               </a:defRPr>
@@ -2029,8 +2029,8 @@
                 <a:solidFill>
                   <a:schemeClr val="tx1"/>
                 </a:solidFill>
-                <a:latin typeface="Calibri"/>
-                <a:ea typeface="Calibri"/>
+                <a:latin typeface="Consolas" panose="020B0609020204030204" pitchFamily="49" charset="0"/>
+                <a:ea typeface="+mn-ea"/>
                 <a:cs typeface="Calibri"/>
                 <a:sym typeface="Calibri"/>
               </a:defRPr>
@@ -2052,8 +2052,8 @@
                 <a:solidFill>
                   <a:schemeClr val="tx1"/>
                 </a:solidFill>
-                <a:latin typeface="Calibri"/>
-                <a:ea typeface="Calibri"/>
+                <a:latin typeface="Consolas" panose="020B0609020204030204" pitchFamily="49" charset="0"/>
+                <a:ea typeface="+mn-ea"/>
                 <a:cs typeface="Calibri"/>
                 <a:sym typeface="Calibri"/>
               </a:defRPr>
@@ -2075,8 +2075,8 @@
                 <a:solidFill>
                   <a:schemeClr val="dk1"/>
                 </a:solidFill>
-                <a:latin typeface="Calibri"/>
-                <a:ea typeface="Calibri"/>
+                <a:latin typeface="Consolas" panose="020B0609020204030204" pitchFamily="49" charset="0"/>
+                <a:ea typeface="+mn-ea"/>
                 <a:cs typeface="Calibri"/>
                 <a:sym typeface="Calibri"/>
               </a:defRPr>
@@ -10055,8 +10055,8 @@
           <a:solidFill>
             <a:schemeClr val="tx1"/>
           </a:solidFill>
-          <a:latin typeface="Arial"/>
-          <a:ea typeface="Arial"/>
+          <a:latin typeface="Consolas" panose="020B0609020204030204" pitchFamily="49" charset="0"/>
+          <a:ea typeface="+mn-ea"/>
           <a:cs typeface="Arial"/>
           <a:sym typeface="Arial"/>
         </a:defRPr>
@@ -10093,8 +10093,8 @@
           <a:solidFill>
             <a:schemeClr val="tx1"/>
           </a:solidFill>
-          <a:latin typeface="Arial"/>
-          <a:ea typeface="Arial"/>
+          <a:latin typeface="Consolas" panose="020B0609020204030204" pitchFamily="49" charset="0"/>
+          <a:ea typeface="+mn-ea"/>
           <a:cs typeface="Arial"/>
           <a:sym typeface="Arial"/>
         </a:defRPr>
@@ -17448,7 +17448,42 @@
           <a:bodyPr/>
           <a:lstStyle/>
           <a:p>
-            <a:endParaRPr lang="ja-JP" altLang="en-US"/>
+            <a:r>
+              <a:rPr lang="en-US" altLang="ja-JP" dirty="0" err="1"/>
+              <a:t>Github</a:t>
+            </a:r>
+            <a:r>
+              <a:rPr lang="ja-JP" altLang="en-US" dirty="0"/>
+              <a:t>にリポジトリを作ってコミット</a:t>
+            </a:r>
+            <a:endParaRPr lang="en-US" altLang="ja-JP" dirty="0"/>
+          </a:p>
+          <a:p>
+            <a:endParaRPr lang="en-US" altLang="ja-JP" dirty="0"/>
+          </a:p>
+          <a:p>
+            <a:r>
+              <a:rPr lang="ja-JP" altLang="en-US" dirty="0"/>
+              <a:t>この時点ではなにもいじっていないコードを上げておく</a:t>
+            </a:r>
+            <a:endParaRPr lang="en-US" altLang="ja-JP" dirty="0"/>
+          </a:p>
+          <a:p>
+            <a:endParaRPr lang="en-US" altLang="ja-JP" dirty="0"/>
+          </a:p>
+          <a:p>
+            <a:r>
+              <a:rPr lang="ja-JP" altLang="en-US" dirty="0"/>
+              <a:t>この後、</a:t>
+            </a:r>
+            <a:r>
+              <a:rPr lang="en-US" altLang="ja-JP" dirty="0"/>
+              <a:t>1</a:t>
+            </a:r>
+            <a:r>
+              <a:rPr lang="ja-JP" altLang="en-US" dirty="0"/>
+              <a:t>項目リファクタリングするごとにプッシュする</a:t>
+            </a:r>
           </a:p>
         </p:txBody>
       </p:sp>
@@ -17536,7 +17571,40 @@
           <a:bodyPr/>
           <a:lstStyle/>
           <a:p>
-            <a:endParaRPr lang="ja-JP" altLang="en-US"/>
+            <a:r>
+              <a:rPr lang="ja-JP" altLang="en-US" dirty="0"/>
+              <a:t>今回は省略する。</a:t>
+            </a:r>
+            <a:endParaRPr lang="en-US" altLang="ja-JP" dirty="0"/>
+          </a:p>
+          <a:p>
+            <a:endParaRPr lang="en-US" altLang="ja-JP" dirty="0"/>
+          </a:p>
+          <a:p>
+            <a:r>
+              <a:rPr lang="ja-JP" altLang="en-US" dirty="0"/>
+              <a:t>書籍があるので、補足の資料があればよい。</a:t>
+            </a:r>
+            <a:endParaRPr lang="en-US" altLang="ja-JP" dirty="0"/>
+          </a:p>
+          <a:p>
+            <a:endParaRPr lang="en-US" altLang="ja-JP" dirty="0"/>
+          </a:p>
+          <a:p>
+            <a:r>
+              <a:rPr lang="ja-JP" altLang="en-US" dirty="0"/>
+              <a:t>このパワポでも十分。</a:t>
+            </a:r>
+            <a:endParaRPr lang="en-US" altLang="ja-JP" dirty="0"/>
+          </a:p>
+          <a:p>
+            <a:endParaRPr lang="en-US" altLang="ja-JP" dirty="0"/>
+          </a:p>
+          <a:p>
+            <a:r>
+              <a:rPr lang="ja-JP" altLang="en-US" dirty="0"/>
+              <a:t>今後改良をするのであれば要件や仕様をまとめたものを作る。</a:t>
+            </a:r>
           </a:p>
         </p:txBody>
       </p:sp>
@@ -17624,10 +17692,344 @@
           <a:bodyPr/>
           <a:lstStyle/>
           <a:p>
-            <a:endParaRPr lang="ja-JP" altLang="en-US"/>
+            <a:r>
+              <a:rPr lang="ja-JP" altLang="en-US" dirty="0"/>
+              <a:t>メインの部分とサブルーチン一つなので、なくてもよい。</a:t>
+            </a:r>
+            <a:endParaRPr lang="en-US" altLang="ja-JP" dirty="0"/>
+          </a:p>
+          <a:p>
+            <a:endParaRPr lang="en-US" altLang="ja-JP" dirty="0"/>
+          </a:p>
+          <a:p>
+            <a:r>
+              <a:rPr lang="ja-JP" altLang="en-US" dirty="0"/>
+              <a:t>書くと右のような感じ。</a:t>
+            </a:r>
           </a:p>
         </p:txBody>
       </p:sp>
+      <p:sp>
+        <p:nvSpPr>
+          <p:cNvPr id="2" name="テキスト ボックス 1">
+            <a:extLst>
+              <a:ext uri="{FF2B5EF4-FFF2-40B4-BE49-F238E27FC236}">
+                <a16:creationId xmlns:a16="http://schemas.microsoft.com/office/drawing/2014/main" id="{3E9CF295-0A8C-436F-8012-8AB9570950E2}"/>
+              </a:ext>
+            </a:extLst>
+          </p:cNvPr>
+          <p:cNvSpPr txBox="1"/>
+          <p:nvPr/>
+        </p:nvSpPr>
+        <p:spPr>
+          <a:xfrm>
+            <a:off x="8563612" y="2074985"/>
+            <a:ext cx="562975" cy="307777"/>
+          </a:xfrm>
+          <a:prstGeom prst="rect">
+            <a:avLst/>
+          </a:prstGeom>
+        </p:spPr>
+        <p:style>
+          <a:lnRef idx="2">
+            <a:schemeClr val="dk1"/>
+          </a:lnRef>
+          <a:fillRef idx="1">
+            <a:schemeClr val="lt1"/>
+          </a:fillRef>
+          <a:effectRef idx="0">
+            <a:schemeClr val="dk1"/>
+          </a:effectRef>
+          <a:fontRef idx="minor">
+            <a:schemeClr val="dk1"/>
+          </a:fontRef>
+        </p:style>
+        <p:txBody>
+          <a:bodyPr wrap="none" rtlCol="0">
+            <a:spAutoFit/>
+          </a:bodyPr>
+          <a:lstStyle/>
+          <a:p>
+            <a:r>
+              <a:rPr kumimoji="1" lang="en-US" altLang="ja-JP" dirty="0"/>
+              <a:t>Start</a:t>
+            </a:r>
+            <a:endParaRPr kumimoji="1" lang="ja-JP" altLang="en-US" dirty="0"/>
+          </a:p>
+        </p:txBody>
+      </p:sp>
+      <p:sp>
+        <p:nvSpPr>
+          <p:cNvPr id="6" name="テキスト ボックス 5">
+            <a:extLst>
+              <a:ext uri="{FF2B5EF4-FFF2-40B4-BE49-F238E27FC236}">
+                <a16:creationId xmlns:a16="http://schemas.microsoft.com/office/drawing/2014/main" id="{51F2525F-0B4F-4CE6-89BF-952271B71919}"/>
+              </a:ext>
+            </a:extLst>
+          </p:cNvPr>
+          <p:cNvSpPr txBox="1"/>
+          <p:nvPr/>
+        </p:nvSpPr>
+        <p:spPr>
+          <a:xfrm>
+            <a:off x="8593592" y="4911970"/>
+            <a:ext cx="503664" cy="307777"/>
+          </a:xfrm>
+          <a:prstGeom prst="rect">
+            <a:avLst/>
+          </a:prstGeom>
+        </p:spPr>
+        <p:style>
+          <a:lnRef idx="2">
+            <a:schemeClr val="dk1"/>
+          </a:lnRef>
+          <a:fillRef idx="1">
+            <a:schemeClr val="lt1"/>
+          </a:fillRef>
+          <a:effectRef idx="0">
+            <a:schemeClr val="dk1"/>
+          </a:effectRef>
+          <a:fontRef idx="minor">
+            <a:schemeClr val="dk1"/>
+          </a:fontRef>
+        </p:style>
+        <p:txBody>
+          <a:bodyPr wrap="none" rtlCol="0">
+            <a:spAutoFit/>
+          </a:bodyPr>
+          <a:lstStyle/>
+          <a:p>
+            <a:r>
+              <a:rPr kumimoji="1" lang="en-US" altLang="ja-JP" dirty="0"/>
+              <a:t>End</a:t>
+            </a:r>
+          </a:p>
+        </p:txBody>
+      </p:sp>
+      <p:sp>
+        <p:nvSpPr>
+          <p:cNvPr id="3" name="四角形: 角を丸くする 2">
+            <a:extLst>
+              <a:ext uri="{FF2B5EF4-FFF2-40B4-BE49-F238E27FC236}">
+                <a16:creationId xmlns:a16="http://schemas.microsoft.com/office/drawing/2014/main" id="{A4904C47-F0FC-4308-A2E6-41623A668220}"/>
+              </a:ext>
+            </a:extLst>
+          </p:cNvPr>
+          <p:cNvSpPr/>
+          <p:nvPr/>
+        </p:nvSpPr>
+        <p:spPr>
+          <a:xfrm>
+            <a:off x="9791631" y="3273697"/>
+            <a:ext cx="914400" cy="340519"/>
+          </a:xfrm>
+          <a:prstGeom prst="roundRect">
+            <a:avLst/>
+          </a:prstGeom>
+        </p:spPr>
+        <p:style>
+          <a:lnRef idx="2">
+            <a:schemeClr val="dk1"/>
+          </a:lnRef>
+          <a:fillRef idx="1">
+            <a:schemeClr val="lt1"/>
+          </a:fillRef>
+          <a:effectRef idx="0">
+            <a:schemeClr val="dk1"/>
+          </a:effectRef>
+          <a:fontRef idx="minor">
+            <a:schemeClr val="dk1"/>
+          </a:fontRef>
+        </p:style>
+        <p:txBody>
+          <a:bodyPr rtlCol="0" anchor="ctr">
+            <a:spAutoFit/>
+          </a:bodyPr>
+          <a:lstStyle/>
+          <a:p>
+            <a:pPr algn="ctr"/>
+            <a:r>
+              <a:rPr kumimoji="1" lang="en-US" altLang="ja-JP" dirty="0"/>
+              <a:t>OUT2</a:t>
+            </a:r>
+            <a:endParaRPr kumimoji="1" lang="ja-JP" altLang="en-US" dirty="0"/>
+          </a:p>
+        </p:txBody>
+      </p:sp>
+      <p:sp>
+        <p:nvSpPr>
+          <p:cNvPr id="7" name="四角形: 角を丸くする 6">
+            <a:extLst>
+              <a:ext uri="{FF2B5EF4-FFF2-40B4-BE49-F238E27FC236}">
+                <a16:creationId xmlns:a16="http://schemas.microsoft.com/office/drawing/2014/main" id="{6DECCE44-A227-4BE2-BB16-14F48F848034}"/>
+              </a:ext>
+            </a:extLst>
+          </p:cNvPr>
+          <p:cNvSpPr/>
+          <p:nvPr/>
+        </p:nvSpPr>
+        <p:spPr>
+          <a:xfrm>
+            <a:off x="8387899" y="3154516"/>
+            <a:ext cx="914400" cy="578882"/>
+          </a:xfrm>
+          <a:prstGeom prst="roundRect">
+            <a:avLst/>
+          </a:prstGeom>
+        </p:spPr>
+        <p:style>
+          <a:lnRef idx="2">
+            <a:schemeClr val="dk1"/>
+          </a:lnRef>
+          <a:fillRef idx="1">
+            <a:schemeClr val="lt1"/>
+          </a:fillRef>
+          <a:effectRef idx="0">
+            <a:schemeClr val="dk1"/>
+          </a:effectRef>
+          <a:fontRef idx="minor">
+            <a:schemeClr val="dk1"/>
+          </a:fontRef>
+        </p:style>
+        <p:txBody>
+          <a:bodyPr rtlCol="0" anchor="ctr">
+            <a:spAutoFit/>
+          </a:bodyPr>
+          <a:lstStyle/>
+          <a:p>
+            <a:pPr algn="ctr"/>
+            <a:r>
+              <a:rPr kumimoji="1" lang="ja-JP" altLang="en-US" dirty="0"/>
+              <a:t>計算ルーチン</a:t>
+            </a:r>
+            <a:endParaRPr kumimoji="1" lang="en-US" altLang="ja-JP" dirty="0"/>
+          </a:p>
+        </p:txBody>
+      </p:sp>
+      <p:cxnSp>
+        <p:nvCxnSpPr>
+          <p:cNvPr id="9" name="直線矢印コネクタ 8">
+            <a:extLst>
+              <a:ext uri="{FF2B5EF4-FFF2-40B4-BE49-F238E27FC236}">
+                <a16:creationId xmlns:a16="http://schemas.microsoft.com/office/drawing/2014/main" id="{16A3C785-B72B-4062-B220-ECE537D75ABF}"/>
+              </a:ext>
+            </a:extLst>
+          </p:cNvPr>
+          <p:cNvCxnSpPr>
+            <a:stCxn id="2" idx="2"/>
+            <a:endCxn id="7" idx="0"/>
+          </p:cNvCxnSpPr>
+          <p:nvPr/>
+        </p:nvCxnSpPr>
+        <p:spPr>
+          <a:xfrm flipH="1">
+            <a:off x="8845099" y="2382762"/>
+            <a:ext cx="1" cy="771754"/>
+          </a:xfrm>
+          <a:prstGeom prst="straightConnector1">
+            <a:avLst/>
+          </a:prstGeom>
+          <a:ln>
+            <a:tailEnd type="triangle"/>
+          </a:ln>
+        </p:spPr>
+        <p:style>
+          <a:lnRef idx="1">
+            <a:schemeClr val="dk1"/>
+          </a:lnRef>
+          <a:fillRef idx="0">
+            <a:schemeClr val="dk1"/>
+          </a:fillRef>
+          <a:effectRef idx="0">
+            <a:schemeClr val="dk1"/>
+          </a:effectRef>
+          <a:fontRef idx="minor">
+            <a:schemeClr val="tx1"/>
+          </a:fontRef>
+        </p:style>
+      </p:cxnSp>
+      <p:cxnSp>
+        <p:nvCxnSpPr>
+          <p:cNvPr id="11" name="直線矢印コネクタ 10">
+            <a:extLst>
+              <a:ext uri="{FF2B5EF4-FFF2-40B4-BE49-F238E27FC236}">
+                <a16:creationId xmlns:a16="http://schemas.microsoft.com/office/drawing/2014/main" id="{4185F3C5-059C-42DF-8841-FBDBDE0260EA}"/>
+              </a:ext>
+            </a:extLst>
+          </p:cNvPr>
+          <p:cNvCxnSpPr>
+            <a:cxnSpLocks/>
+            <a:stCxn id="7" idx="2"/>
+            <a:endCxn id="6" idx="0"/>
+          </p:cNvCxnSpPr>
+          <p:nvPr/>
+        </p:nvCxnSpPr>
+        <p:spPr>
+          <a:xfrm>
+            <a:off x="8845099" y="3733398"/>
+            <a:ext cx="325" cy="1178572"/>
+          </a:xfrm>
+          <a:prstGeom prst="straightConnector1">
+            <a:avLst/>
+          </a:prstGeom>
+          <a:ln>
+            <a:tailEnd type="triangle"/>
+          </a:ln>
+        </p:spPr>
+        <p:style>
+          <a:lnRef idx="1">
+            <a:schemeClr val="dk1"/>
+          </a:lnRef>
+          <a:fillRef idx="0">
+            <a:schemeClr val="dk1"/>
+          </a:fillRef>
+          <a:effectRef idx="0">
+            <a:schemeClr val="dk1"/>
+          </a:effectRef>
+          <a:fontRef idx="minor">
+            <a:schemeClr val="tx1"/>
+          </a:fontRef>
+        </p:style>
+      </p:cxnSp>
+      <p:cxnSp>
+        <p:nvCxnSpPr>
+          <p:cNvPr id="15" name="直線コネクタ 14">
+            <a:extLst>
+              <a:ext uri="{FF2B5EF4-FFF2-40B4-BE49-F238E27FC236}">
+                <a16:creationId xmlns:a16="http://schemas.microsoft.com/office/drawing/2014/main" id="{45EADCEB-DF8E-4AF3-B4CC-62DC24116DF2}"/>
+              </a:ext>
+            </a:extLst>
+          </p:cNvPr>
+          <p:cNvCxnSpPr>
+            <a:stCxn id="7" idx="3"/>
+            <a:endCxn id="3" idx="1"/>
+          </p:cNvCxnSpPr>
+          <p:nvPr/>
+        </p:nvCxnSpPr>
+        <p:spPr>
+          <a:xfrm>
+            <a:off x="9302299" y="3443957"/>
+            <a:ext cx="489332" cy="0"/>
+          </a:xfrm>
+          <a:prstGeom prst="line">
+            <a:avLst/>
+          </a:prstGeom>
+        </p:spPr>
+        <p:style>
+          <a:lnRef idx="1">
+            <a:schemeClr val="dk1"/>
+          </a:lnRef>
+          <a:fillRef idx="0">
+            <a:schemeClr val="dk1"/>
+          </a:fillRef>
+          <a:effectRef idx="0">
+            <a:schemeClr val="dk1"/>
+          </a:effectRef>
+          <a:fontRef idx="minor">
+            <a:schemeClr val="tx1"/>
+          </a:fontRef>
+        </p:style>
+      </p:cxnSp>
     </p:spTree>
     <p:extLst>
       <p:ext uri="{BB962C8B-B14F-4D97-AF65-F5344CB8AC3E}">
@@ -17707,12 +18109,706 @@
             <p:ph type="body" idx="1"/>
           </p:nvPr>
         </p:nvSpPr>
-        <p:spPr/>
+        <p:spPr>
+          <a:xfrm>
+            <a:off x="838200" y="1558977"/>
+            <a:ext cx="10515600" cy="4542020"/>
+          </a:xfrm>
+        </p:spPr>
         <p:txBody>
-          <a:bodyPr/>
+          <a:bodyPr numCol="3"/>
           <a:lstStyle/>
           <a:p>
-            <a:endParaRPr lang="ja-JP" altLang="en-US"/>
+            <a:pPr marL="100013" indent="0">
+              <a:buNone/>
+            </a:pPr>
+            <a:r>
+              <a:rPr lang="en-US" altLang="ja-JP" dirty="0">
+                <a:cs typeface="Times New Roman" panose="02020603050405020304" pitchFamily="18" charset="0"/>
+              </a:rPr>
+              <a:t>MX,MY</a:t>
+            </a:r>
+          </a:p>
+          <a:p>
+            <a:pPr marL="100013" indent="0">
+              <a:buNone/>
+            </a:pPr>
+            <a:r>
+              <a:rPr lang="en-US" altLang="ja-JP" dirty="0">
+                <a:cs typeface="Times New Roman" panose="02020603050405020304" pitchFamily="18" charset="0"/>
+              </a:rPr>
+              <a:t>PSI(MX,MY)</a:t>
+            </a:r>
+          </a:p>
+          <a:p>
+            <a:pPr marL="100013" indent="0">
+              <a:buNone/>
+            </a:pPr>
+            <a:r>
+              <a:rPr lang="en-US" altLang="ja-JP" dirty="0">
+                <a:cs typeface="Times New Roman" panose="02020603050405020304" pitchFamily="18" charset="0"/>
+              </a:rPr>
+              <a:t>OMG(MX,MY)</a:t>
+            </a:r>
+          </a:p>
+          <a:p>
+            <a:pPr marL="100013" indent="0">
+              <a:buNone/>
+            </a:pPr>
+            <a:r>
+              <a:rPr lang="en-US" altLang="ja-JP" dirty="0">
+                <a:cs typeface="Times New Roman" panose="02020603050405020304" pitchFamily="18" charset="0"/>
+              </a:rPr>
+              <a:t>TMP(MX,MY)</a:t>
+            </a:r>
+          </a:p>
+          <a:p>
+            <a:pPr marL="100013" indent="0">
+              <a:buNone/>
+            </a:pPr>
+            <a:r>
+              <a:rPr lang="en-US" altLang="ja-JP" dirty="0">
+                <a:cs typeface="Times New Roman" panose="02020603050405020304" pitchFamily="18" charset="0"/>
+              </a:rPr>
+              <a:t>NX,NY,NA,NB</a:t>
+            </a:r>
+          </a:p>
+          <a:p>
+            <a:pPr marL="100013" indent="0">
+              <a:buNone/>
+            </a:pPr>
+            <a:r>
+              <a:rPr lang="en-US" altLang="ja-JP" dirty="0">
+                <a:cs typeface="Times New Roman" panose="02020603050405020304" pitchFamily="18" charset="0"/>
+              </a:rPr>
+              <a:t>RE</a:t>
+            </a:r>
+          </a:p>
+          <a:p>
+            <a:pPr marL="100013" indent="0">
+              <a:buNone/>
+            </a:pPr>
+            <a:r>
+              <a:rPr lang="en-US" altLang="ja-JP" dirty="0">
+                <a:cs typeface="Times New Roman" panose="02020603050405020304" pitchFamily="18" charset="0"/>
+              </a:rPr>
+              <a:t>DT,DY</a:t>
+            </a:r>
+          </a:p>
+          <a:p>
+            <a:pPr marL="100013" indent="0">
+              <a:buNone/>
+            </a:pPr>
+            <a:r>
+              <a:rPr lang="en-US" altLang="ja-JP" dirty="0">
+                <a:cs typeface="Times New Roman" panose="02020603050405020304" pitchFamily="18" charset="0"/>
+              </a:rPr>
+              <a:t>NMAX</a:t>
+            </a:r>
+          </a:p>
+          <a:p>
+            <a:pPr marL="100013" indent="0">
+              <a:buNone/>
+            </a:pPr>
+            <a:r>
+              <a:rPr lang="en-US" altLang="ja-JP" dirty="0">
+                <a:cs typeface="Times New Roman" panose="02020603050405020304" pitchFamily="18" charset="0"/>
+              </a:rPr>
+              <a:t>KK</a:t>
+            </a:r>
+          </a:p>
+          <a:p>
+            <a:pPr marL="100013" indent="0">
+              <a:buNone/>
+            </a:pPr>
+            <a:r>
+              <a:rPr lang="en-US" altLang="ja-JP" dirty="0">
+                <a:cs typeface="Times New Roman" panose="02020603050405020304" pitchFamily="18" charset="0"/>
+              </a:rPr>
+              <a:t>CONST1</a:t>
+            </a:r>
+          </a:p>
+          <a:p>
+            <a:pPr marL="100013" indent="0">
+              <a:buNone/>
+            </a:pPr>
+            <a:r>
+              <a:rPr lang="en-US" altLang="ja-JP" dirty="0">
+                <a:cs typeface="Times New Roman" panose="02020603050405020304" pitchFamily="18" charset="0"/>
+              </a:rPr>
+              <a:t>EPS</a:t>
+            </a:r>
+          </a:p>
+          <a:p>
+            <a:pPr marL="100013" indent="0">
+              <a:buNone/>
+            </a:pPr>
+            <a:r>
+              <a:rPr lang="en-US" altLang="ja-JP" dirty="0">
+                <a:cs typeface="Times New Roman" panose="02020603050405020304" pitchFamily="18" charset="0"/>
+              </a:rPr>
+              <a:t>PAI</a:t>
+            </a:r>
+          </a:p>
+          <a:p>
+            <a:pPr marL="100013" indent="0">
+              <a:buNone/>
+            </a:pPr>
+            <a:r>
+              <a:rPr lang="en-US" altLang="ja-JP" dirty="0">
+                <a:cs typeface="Times New Roman" panose="02020603050405020304" pitchFamily="18" charset="0"/>
+              </a:rPr>
+              <a:t>DX</a:t>
+            </a:r>
+          </a:p>
+          <a:p>
+            <a:pPr marL="100013" indent="0">
+              <a:buNone/>
+            </a:pPr>
+            <a:r>
+              <a:rPr lang="en-US" altLang="ja-JP" dirty="0">
+                <a:cs typeface="Times New Roman" panose="02020603050405020304" pitchFamily="18" charset="0"/>
+              </a:rPr>
+              <a:t>DXI,DXY</a:t>
+            </a:r>
+          </a:p>
+          <a:p>
+            <a:pPr marL="100013" indent="0">
+              <a:buNone/>
+            </a:pPr>
+            <a:r>
+              <a:rPr lang="en-US" altLang="ja-JP" dirty="0">
+                <a:cs typeface="Times New Roman" panose="02020603050405020304" pitchFamily="18" charset="0"/>
+              </a:rPr>
+              <a:t>REI</a:t>
+            </a:r>
+          </a:p>
+          <a:p>
+            <a:pPr marL="100013" indent="0">
+              <a:buNone/>
+            </a:pPr>
+            <a:r>
+              <a:rPr lang="en-US" altLang="ja-JP" dirty="0">
+                <a:cs typeface="Times New Roman" panose="02020603050405020304" pitchFamily="18" charset="0"/>
+              </a:rPr>
+              <a:t>DX2,DY2</a:t>
+            </a:r>
+          </a:p>
+          <a:p>
+            <a:pPr marL="100013" indent="0">
+              <a:buNone/>
+            </a:pPr>
+            <a:r>
+              <a:rPr lang="en-US" altLang="ja-JP" dirty="0">
+                <a:cs typeface="Times New Roman" panose="02020603050405020304" pitchFamily="18" charset="0"/>
+              </a:rPr>
+              <a:t>FCT</a:t>
+            </a:r>
+          </a:p>
+          <a:p>
+            <a:pPr marL="100013" indent="0">
+              <a:buNone/>
+            </a:pPr>
+            <a:r>
+              <a:rPr lang="en-US" altLang="ja-JP" dirty="0">
+                <a:cs typeface="Times New Roman" panose="02020603050405020304" pitchFamily="18" charset="0"/>
+              </a:rPr>
+              <a:t>J,I</a:t>
+            </a:r>
+          </a:p>
+          <a:p>
+            <a:pPr marL="100013" indent="0">
+              <a:buNone/>
+            </a:pPr>
+            <a:r>
+              <a:rPr lang="en-US" altLang="ja-JP" dirty="0">
+                <a:cs typeface="Times New Roman" panose="02020603050405020304" pitchFamily="18" charset="0"/>
+              </a:rPr>
+              <a:t>N</a:t>
+            </a:r>
+          </a:p>
+          <a:p>
+            <a:pPr marL="100013" indent="0">
+              <a:buNone/>
+            </a:pPr>
+            <a:r>
+              <a:rPr lang="en-US" altLang="ja-JP" dirty="0">
+                <a:cs typeface="Times New Roman" panose="02020603050405020304" pitchFamily="18" charset="0"/>
+              </a:rPr>
+              <a:t>FFF</a:t>
+            </a:r>
+          </a:p>
+          <a:p>
+            <a:pPr marL="100013" indent="0">
+              <a:buNone/>
+            </a:pPr>
+            <a:r>
+              <a:rPr lang="en-US" altLang="ja-JP" dirty="0">
+                <a:cs typeface="Times New Roman" panose="02020603050405020304" pitchFamily="18" charset="0"/>
+              </a:rPr>
+              <a:t>K</a:t>
+            </a:r>
+          </a:p>
+          <a:p>
+            <a:pPr marL="100013" indent="0">
+              <a:buNone/>
+            </a:pPr>
+            <a:r>
+              <a:rPr lang="en-US" altLang="ja-JP" dirty="0">
+                <a:cs typeface="Times New Roman" panose="02020603050405020304" pitchFamily="18" charset="0"/>
+              </a:rPr>
+              <a:t>ERR</a:t>
+            </a:r>
+          </a:p>
+          <a:p>
+            <a:pPr marL="100013" indent="0">
+              <a:buNone/>
+            </a:pPr>
+            <a:r>
+              <a:rPr lang="en-US" altLang="ja-JP" dirty="0">
+                <a:cs typeface="Times New Roman" panose="02020603050405020304" pitchFamily="18" charset="0"/>
+              </a:rPr>
+              <a:t>RHS</a:t>
+            </a:r>
+          </a:p>
+          <a:p>
+            <a:pPr marL="100013" indent="0">
+              <a:buNone/>
+            </a:pPr>
+            <a:r>
+              <a:rPr lang="en-US" altLang="ja-JP" dirty="0">
+                <a:cs typeface="Times New Roman" panose="02020603050405020304" pitchFamily="18" charset="0"/>
+              </a:rPr>
+              <a:t>ERR1</a:t>
+            </a:r>
+          </a:p>
+          <a:p>
+            <a:pPr marL="100013" indent="0">
+              <a:buNone/>
+            </a:pPr>
+            <a:r>
+              <a:rPr lang="en-US" altLang="ja-JP" dirty="0">
+                <a:cs typeface="Times New Roman" panose="02020603050405020304" pitchFamily="18" charset="0"/>
+              </a:rPr>
+              <a:t>BB</a:t>
+            </a:r>
+          </a:p>
+          <a:p>
+            <a:pPr marL="100013" indent="0">
+              <a:buNone/>
+            </a:pPr>
+            <a:r>
+              <a:rPr lang="en-US" altLang="ja-JP" dirty="0">
+                <a:cs typeface="Times New Roman" panose="02020603050405020304" pitchFamily="18" charset="0"/>
+              </a:rPr>
+              <a:t>II</a:t>
+            </a:r>
+          </a:p>
+          <a:p>
+            <a:pPr marL="100013" indent="0">
+              <a:buNone/>
+            </a:pPr>
+            <a:r>
+              <a:rPr lang="en-US" altLang="ja-JP" dirty="0">
+                <a:cs typeface="Times New Roman" panose="02020603050405020304" pitchFamily="18" charset="0"/>
+              </a:rPr>
+              <a:t>ISAVE</a:t>
+            </a:r>
+          </a:p>
+          <a:p>
+            <a:pPr marL="100013" indent="0">
+              <a:buNone/>
+            </a:pPr>
+            <a:r>
+              <a:rPr lang="en-US" altLang="ja-JP" dirty="0">
+                <a:cs typeface="Times New Roman" panose="02020603050405020304" pitchFamily="18" charset="0"/>
+              </a:rPr>
+              <a:t>AMIN</a:t>
+            </a:r>
+          </a:p>
+          <a:p>
+            <a:pPr marL="100013" indent="0">
+              <a:buNone/>
+            </a:pPr>
+            <a:r>
+              <a:rPr lang="en-US" altLang="ja-JP" dirty="0">
+                <a:cs typeface="Times New Roman" panose="02020603050405020304" pitchFamily="18" charset="0"/>
+              </a:rPr>
+              <a:t>AMAX</a:t>
+            </a:r>
+          </a:p>
+          <a:p>
+            <a:pPr marL="100013" indent="0">
+              <a:buNone/>
+            </a:pPr>
+            <a:r>
+              <a:rPr lang="en-US" altLang="ja-JP" dirty="0">
+                <a:cs typeface="Times New Roman" panose="02020603050405020304" pitchFamily="18" charset="0"/>
+              </a:rPr>
+              <a:t>IND</a:t>
+            </a:r>
+          </a:p>
+          <a:p>
+            <a:pPr marL="100013" indent="0">
+              <a:buNone/>
+            </a:pPr>
+            <a:r>
+              <a:rPr lang="en-US" altLang="ja-JP" dirty="0">
+                <a:cs typeface="Times New Roman" panose="02020603050405020304" pitchFamily="18" charset="0"/>
+              </a:rPr>
+              <a:t>RT</a:t>
+            </a:r>
+          </a:p>
+          <a:p>
+            <a:pPr marL="100013" indent="0">
+              <a:buNone/>
+            </a:pPr>
+            <a:r>
+              <a:rPr lang="en-US" altLang="ja-JP" dirty="0">
+                <a:cs typeface="Times New Roman" panose="02020603050405020304" pitchFamily="18" charset="0"/>
+              </a:rPr>
+              <a:t>TET</a:t>
+            </a:r>
+          </a:p>
+          <a:p>
+            <a:pPr marL="100013" indent="0">
+              <a:buNone/>
+            </a:pPr>
+            <a:r>
+              <a:rPr lang="en-US" altLang="ja-JP" dirty="0">
+                <a:cs typeface="Times New Roman" panose="02020603050405020304" pitchFamily="18" charset="0"/>
+              </a:rPr>
+              <a:t>RR</a:t>
+            </a:r>
+          </a:p>
+          <a:p>
+            <a:pPr marL="100013" indent="0">
+              <a:buNone/>
+            </a:pPr>
+            <a:r>
+              <a:rPr lang="en-US" altLang="ja-JP" dirty="0">
+                <a:cs typeface="Times New Roman" panose="02020603050405020304" pitchFamily="18" charset="0"/>
+              </a:rPr>
+              <a:t>AA</a:t>
+            </a:r>
+          </a:p>
+          <a:p>
+            <a:pPr marL="100013" indent="0">
+              <a:buNone/>
+            </a:pPr>
+            <a:endParaRPr lang="en-US" altLang="ja-JP" dirty="0">
+              <a:cs typeface="Times New Roman" panose="02020603050405020304" pitchFamily="18" charset="0"/>
+            </a:endParaRPr>
+          </a:p>
+          <a:p>
+            <a:pPr marL="100013" indent="0">
+              <a:buNone/>
+            </a:pPr>
+            <a:endParaRPr lang="en-US" altLang="ja-JP" dirty="0">
+              <a:cs typeface="Times New Roman" panose="02020603050405020304" pitchFamily="18" charset="0"/>
+            </a:endParaRPr>
+          </a:p>
+          <a:p>
+            <a:pPr marL="100013" indent="0">
+              <a:buNone/>
+            </a:pPr>
+            <a:endParaRPr lang="en-US" altLang="ja-JP" dirty="0">
+              <a:cs typeface="Times New Roman" panose="02020603050405020304" pitchFamily="18" charset="0"/>
+            </a:endParaRPr>
+          </a:p>
+          <a:p>
+            <a:pPr marL="100013" indent="0">
+              <a:buNone/>
+            </a:pPr>
+            <a:endParaRPr lang="ja-JP" altLang="en-US" dirty="0">
+              <a:latin typeface="Consolas" panose="020B0609020204030204" pitchFamily="49" charset="0"/>
+              <a:cs typeface="Times New Roman" panose="02020603050405020304" pitchFamily="18" charset="0"/>
+            </a:endParaRPr>
+          </a:p>
+        </p:txBody>
+      </p:sp>
+      <p:sp>
+        <p:nvSpPr>
+          <p:cNvPr id="6" name="コンテンツ プレースホルダー 4">
+            <a:extLst>
+              <a:ext uri="{FF2B5EF4-FFF2-40B4-BE49-F238E27FC236}">
+                <a16:creationId xmlns:a16="http://schemas.microsoft.com/office/drawing/2014/main" id="{8C8A3FE3-A63C-4672-8BCE-A678263D93E4}"/>
+              </a:ext>
+            </a:extLst>
+          </p:cNvPr>
+          <p:cNvSpPr txBox="1">
+            <a:spLocks/>
+          </p:cNvSpPr>
+          <p:nvPr/>
+        </p:nvSpPr>
+        <p:spPr>
+          <a:xfrm>
+            <a:off x="838200" y="995423"/>
+            <a:ext cx="10515600" cy="563554"/>
+          </a:xfrm>
+          <a:prstGeom prst="rect">
+            <a:avLst/>
+          </a:prstGeom>
+          <a:noFill/>
+          <a:ln>
+            <a:noFill/>
+          </a:ln>
+        </p:spPr>
+        <p:txBody>
+          <a:bodyPr lIns="91425" tIns="91425" rIns="91425" bIns="91425" anchor="t" anchorCtr="0"/>
+          <a:lstStyle>
+            <a:defPPr marR="0" lvl="0" algn="l" rtl="0">
+              <a:lnSpc>
+                <a:spcPct val="100000"/>
+              </a:lnSpc>
+              <a:spcBef>
+                <a:spcPts val="0"/>
+              </a:spcBef>
+              <a:spcAft>
+                <a:spcPts val="0"/>
+              </a:spcAft>
+            </a:defPPr>
+            <a:lvl1pPr marL="128588" marR="0" lvl="0" indent="-28575" algn="l" defTabSz="685800" rtl="0" eaLnBrk="1" fontAlgn="auto" latinLnBrk="0" hangingPunct="1">
+              <a:lnSpc>
+                <a:spcPct val="90000"/>
+              </a:lnSpc>
+              <a:spcBef>
+                <a:spcPts val="563"/>
+              </a:spcBef>
+              <a:spcAft>
+                <a:spcPts val="0"/>
+              </a:spcAft>
+              <a:buClr>
+                <a:schemeClr val="tx1"/>
+              </a:buClr>
+              <a:buSzPct val="100000"/>
+              <a:buFont typeface="Wingdings" panose="05000000000000000000" pitchFamily="2" charset="2"/>
+              <a:buChar char="p"/>
+              <a:tabLst/>
+              <a:defRPr kumimoji="1" sz="2000" b="0" i="0" u="none" strike="noStrike" cap="none">
+                <a:solidFill>
+                  <a:schemeClr val="tx1"/>
+                </a:solidFill>
+                <a:latin typeface="Consolas" panose="020B0609020204030204" pitchFamily="49" charset="0"/>
+                <a:ea typeface="+mn-ea"/>
+                <a:cs typeface="Calibri"/>
+                <a:sym typeface="Calibri"/>
+              </a:defRPr>
+            </a:lvl1pPr>
+            <a:lvl2pPr marL="314325" marR="0" lvl="1" indent="-214313" algn="l" rtl="0" eaLnBrk="1" hangingPunct="1">
+              <a:lnSpc>
+                <a:spcPct val="90000"/>
+              </a:lnSpc>
+              <a:spcBef>
+                <a:spcPts val="281"/>
+              </a:spcBef>
+              <a:spcAft>
+                <a:spcPts val="0"/>
+              </a:spcAft>
+              <a:buClr>
+                <a:schemeClr val="dk1"/>
+              </a:buClr>
+              <a:buSzPct val="100000"/>
+              <a:buFont typeface="Wingdings" panose="05000000000000000000" pitchFamily="2" charset="2"/>
+              <a:buChar char="Ø"/>
+              <a:defRPr kumimoji="1" sz="1800" b="0" i="0" u="none" strike="noStrike" cap="none">
+                <a:solidFill>
+                  <a:schemeClr val="tx1"/>
+                </a:solidFill>
+                <a:latin typeface="Consolas" panose="020B0609020204030204" pitchFamily="49" charset="0"/>
+                <a:ea typeface="+mn-ea"/>
+                <a:cs typeface="Calibri"/>
+                <a:sym typeface="Calibri"/>
+              </a:defRPr>
+            </a:lvl2pPr>
+            <a:lvl3pPr marL="642938" marR="0" lvl="2" indent="-57150" algn="l" rtl="0" eaLnBrk="1" hangingPunct="1">
+              <a:lnSpc>
+                <a:spcPct val="90000"/>
+              </a:lnSpc>
+              <a:spcBef>
+                <a:spcPts val="281"/>
+              </a:spcBef>
+              <a:spcAft>
+                <a:spcPts val="0"/>
+              </a:spcAft>
+              <a:buClr>
+                <a:schemeClr val="dk1"/>
+              </a:buClr>
+              <a:buSzPct val="100000"/>
+              <a:buFont typeface="Arial"/>
+              <a:buChar char="•"/>
+              <a:defRPr kumimoji="1" sz="1600" b="0" i="0" u="none" strike="noStrike" cap="none">
+                <a:solidFill>
+                  <a:schemeClr val="tx1"/>
+                </a:solidFill>
+                <a:latin typeface="Consolas" panose="020B0609020204030204" pitchFamily="49" charset="0"/>
+                <a:ea typeface="+mn-ea"/>
+                <a:cs typeface="Calibri"/>
+                <a:sym typeface="Calibri"/>
+              </a:defRPr>
+            </a:lvl3pPr>
+            <a:lvl4pPr marL="900113" marR="0" lvl="3" indent="-64294" algn="l" rtl="0" eaLnBrk="1" hangingPunct="1">
+              <a:lnSpc>
+                <a:spcPct val="90000"/>
+              </a:lnSpc>
+              <a:spcBef>
+                <a:spcPts val="281"/>
+              </a:spcBef>
+              <a:spcAft>
+                <a:spcPts val="0"/>
+              </a:spcAft>
+              <a:buClr>
+                <a:schemeClr val="dk1"/>
+              </a:buClr>
+              <a:buSzPct val="96428"/>
+              <a:buFont typeface="Arial"/>
+              <a:buChar char="•"/>
+              <a:defRPr kumimoji="1" sz="1200" b="0" i="0" u="none" strike="noStrike" cap="none">
+                <a:solidFill>
+                  <a:schemeClr val="tx1"/>
+                </a:solidFill>
+                <a:latin typeface="Consolas" panose="020B0609020204030204" pitchFamily="49" charset="0"/>
+                <a:ea typeface="+mn-ea"/>
+                <a:cs typeface="Calibri"/>
+                <a:sym typeface="Calibri"/>
+              </a:defRPr>
+            </a:lvl4pPr>
+            <a:lvl5pPr marL="1157288" marR="0" lvl="4" indent="-64294" algn="l" rtl="0" eaLnBrk="1" hangingPunct="1">
+              <a:lnSpc>
+                <a:spcPct val="90000"/>
+              </a:lnSpc>
+              <a:spcBef>
+                <a:spcPts val="281"/>
+              </a:spcBef>
+              <a:spcAft>
+                <a:spcPts val="0"/>
+              </a:spcAft>
+              <a:buClr>
+                <a:schemeClr val="dk1"/>
+              </a:buClr>
+              <a:buSzPct val="96428"/>
+              <a:buFont typeface="Arial"/>
+              <a:buChar char="•"/>
+              <a:defRPr kumimoji="1" sz="1200" b="0" i="0" u="none" strike="noStrike" cap="none">
+                <a:solidFill>
+                  <a:schemeClr val="dk1"/>
+                </a:solidFill>
+                <a:latin typeface="Consolas" panose="020B0609020204030204" pitchFamily="49" charset="0"/>
+                <a:ea typeface="+mn-ea"/>
+                <a:cs typeface="Calibri"/>
+                <a:sym typeface="Calibri"/>
+              </a:defRPr>
+            </a:lvl5pPr>
+            <a:lvl6pPr marL="1414463" marR="0" lvl="5" indent="-64294" algn="l" rtl="0" eaLnBrk="1" hangingPunct="1">
+              <a:lnSpc>
+                <a:spcPct val="90000"/>
+              </a:lnSpc>
+              <a:spcBef>
+                <a:spcPts val="281"/>
+              </a:spcBef>
+              <a:spcAft>
+                <a:spcPts val="0"/>
+              </a:spcAft>
+              <a:buClr>
+                <a:schemeClr val="dk1"/>
+              </a:buClr>
+              <a:buSzPct val="96428"/>
+              <a:buFont typeface="Arial"/>
+              <a:buChar char="•"/>
+              <a:defRPr kumimoji="1" sz="1013" b="0" i="0" u="none" strike="noStrike" cap="none">
+                <a:solidFill>
+                  <a:schemeClr val="dk1"/>
+                </a:solidFill>
+                <a:latin typeface="Calibri"/>
+                <a:ea typeface="Calibri"/>
+                <a:cs typeface="Calibri"/>
+                <a:sym typeface="Calibri"/>
+              </a:defRPr>
+            </a:lvl6pPr>
+            <a:lvl7pPr marL="1671638" marR="0" lvl="6" indent="-64294" algn="l" rtl="0" eaLnBrk="1" hangingPunct="1">
+              <a:lnSpc>
+                <a:spcPct val="90000"/>
+              </a:lnSpc>
+              <a:spcBef>
+                <a:spcPts val="281"/>
+              </a:spcBef>
+              <a:spcAft>
+                <a:spcPts val="0"/>
+              </a:spcAft>
+              <a:buClr>
+                <a:schemeClr val="dk1"/>
+              </a:buClr>
+              <a:buSzPct val="96428"/>
+              <a:buFont typeface="Arial"/>
+              <a:buChar char="•"/>
+              <a:defRPr kumimoji="1" sz="1013" b="0" i="0" u="none" strike="noStrike" cap="none">
+                <a:solidFill>
+                  <a:schemeClr val="dk1"/>
+                </a:solidFill>
+                <a:latin typeface="Calibri"/>
+                <a:ea typeface="Calibri"/>
+                <a:cs typeface="Calibri"/>
+                <a:sym typeface="Calibri"/>
+              </a:defRPr>
+            </a:lvl7pPr>
+            <a:lvl8pPr marL="1928813" marR="0" lvl="7" indent="-64294" algn="l" rtl="0" eaLnBrk="1" hangingPunct="1">
+              <a:lnSpc>
+                <a:spcPct val="90000"/>
+              </a:lnSpc>
+              <a:spcBef>
+                <a:spcPts val="281"/>
+              </a:spcBef>
+              <a:spcAft>
+                <a:spcPts val="0"/>
+              </a:spcAft>
+              <a:buClr>
+                <a:schemeClr val="dk1"/>
+              </a:buClr>
+              <a:buSzPct val="96428"/>
+              <a:buFont typeface="Arial"/>
+              <a:buChar char="•"/>
+              <a:defRPr kumimoji="1" sz="1013" b="0" i="0" u="none" strike="noStrike" cap="none">
+                <a:solidFill>
+                  <a:schemeClr val="dk1"/>
+                </a:solidFill>
+                <a:latin typeface="Calibri"/>
+                <a:ea typeface="Calibri"/>
+                <a:cs typeface="Calibri"/>
+                <a:sym typeface="Calibri"/>
+              </a:defRPr>
+            </a:lvl8pPr>
+            <a:lvl9pPr marL="2185988" marR="0" lvl="8" indent="-64294" algn="l" rtl="0" eaLnBrk="1" hangingPunct="1">
+              <a:lnSpc>
+                <a:spcPct val="90000"/>
+              </a:lnSpc>
+              <a:spcBef>
+                <a:spcPts val="281"/>
+              </a:spcBef>
+              <a:spcAft>
+                <a:spcPts val="0"/>
+              </a:spcAft>
+              <a:buClr>
+                <a:schemeClr val="dk1"/>
+              </a:buClr>
+              <a:buSzPct val="96428"/>
+              <a:buFont typeface="Arial"/>
+              <a:buChar char="•"/>
+              <a:defRPr kumimoji="1" sz="1013" b="0" i="0" u="none" strike="noStrike" cap="none">
+                <a:solidFill>
+                  <a:schemeClr val="dk1"/>
+                </a:solidFill>
+                <a:latin typeface="Calibri"/>
+                <a:ea typeface="Calibri"/>
+                <a:cs typeface="Calibri"/>
+                <a:sym typeface="Calibri"/>
+              </a:defRPr>
+            </a:lvl9pPr>
+          </a:lstStyle>
+          <a:p>
+            <a:r>
+              <a:rPr lang="ja-JP" altLang="en-US" dirty="0"/>
+              <a:t>書き出すとこんな感じ。ソースを直しながらそれぞれの意味についてはメモを残していく</a:t>
+            </a:r>
           </a:p>
         </p:txBody>
       </p:sp>
@@ -17803,15 +18899,127 @@
             <p:ph type="body" idx="1"/>
           </p:nvPr>
         </p:nvSpPr>
-        <p:spPr/>
+        <p:spPr>
+          <a:xfrm>
+            <a:off x="838200" y="995423"/>
+            <a:ext cx="5667531" cy="5181540"/>
+          </a:xfrm>
+        </p:spPr>
         <p:txBody>
           <a:bodyPr/>
           <a:lstStyle/>
           <a:p>
-            <a:endParaRPr lang="ja-JP" altLang="en-US"/>
+            <a:r>
+              <a:rPr lang="ja-JP" altLang="en-US" dirty="0"/>
+              <a:t>なっていないので、直す。</a:t>
+            </a:r>
+            <a:endParaRPr lang="en-US" altLang="ja-JP" dirty="0"/>
+          </a:p>
+          <a:p>
+            <a:endParaRPr lang="en-US" altLang="ja-JP" dirty="0"/>
+          </a:p>
+          <a:p>
+            <a:r>
+              <a:rPr lang="ja-JP" altLang="en-US" dirty="0"/>
+              <a:t>もとは</a:t>
+            </a:r>
+            <a:r>
+              <a:rPr lang="en-US" altLang="ja-JP" dirty="0"/>
+              <a:t>PROGRAM</a:t>
+            </a:r>
+            <a:r>
+              <a:rPr lang="ja-JP" altLang="en-US" dirty="0"/>
+              <a:t>文なしで</a:t>
+            </a:r>
+            <a:r>
+              <a:rPr lang="en-US" altLang="ja-JP" dirty="0"/>
+              <a:t>STOP</a:t>
+            </a:r>
+            <a:r>
+              <a:rPr lang="ja-JP" altLang="en-US" dirty="0"/>
+              <a:t>と</a:t>
+            </a:r>
+            <a:r>
+              <a:rPr lang="en-US" altLang="ja-JP" dirty="0"/>
+              <a:t>END</a:t>
+            </a:r>
+            <a:r>
+              <a:rPr lang="ja-JP" altLang="en-US" dirty="0"/>
+              <a:t>を書いていただけ</a:t>
+            </a:r>
+            <a:endParaRPr lang="en-US" altLang="ja-JP" dirty="0"/>
+          </a:p>
+          <a:p>
+            <a:endParaRPr lang="en-US" altLang="ja-JP" dirty="0"/>
+          </a:p>
+          <a:p>
+            <a:r>
+              <a:rPr lang="ja-JP" altLang="en-US" dirty="0"/>
+              <a:t>大文字は後で直すので、この時点から小文字で書きだす。</a:t>
+            </a:r>
           </a:p>
         </p:txBody>
       </p:sp>
+      <p:pic>
+        <p:nvPicPr>
+          <p:cNvPr id="3" name="図 2">
+            <a:extLst>
+              <a:ext uri="{FF2B5EF4-FFF2-40B4-BE49-F238E27FC236}">
+                <a16:creationId xmlns:a16="http://schemas.microsoft.com/office/drawing/2014/main" id="{0FB489DC-05A8-4FB8-8BB5-4F595748B200}"/>
+              </a:ext>
+            </a:extLst>
+          </p:cNvPr>
+          <p:cNvPicPr>
+            <a:picLocks noChangeAspect="1"/>
+          </p:cNvPicPr>
+          <p:nvPr/>
+        </p:nvPicPr>
+        <p:blipFill>
+          <a:blip r:embed="rId2"/>
+          <a:stretch>
+            <a:fillRect/>
+          </a:stretch>
+        </p:blipFill>
+        <p:spPr>
+          <a:xfrm>
+            <a:off x="6863336" y="995423"/>
+            <a:ext cx="5210902" cy="2476846"/>
+          </a:xfrm>
+          <a:prstGeom prst="rect">
+            <a:avLst/>
+          </a:prstGeom>
+        </p:spPr>
+      </p:pic>
+      <p:pic>
+        <p:nvPicPr>
+          <p:cNvPr id="7" name="図 6">
+            <a:extLst>
+              <a:ext uri="{FF2B5EF4-FFF2-40B4-BE49-F238E27FC236}">
+                <a16:creationId xmlns:a16="http://schemas.microsoft.com/office/drawing/2014/main" id="{F96EF7FB-5485-4284-93ED-8ACD903EAAFA}"/>
+              </a:ext>
+            </a:extLst>
+          </p:cNvPr>
+          <p:cNvPicPr>
+            <a:picLocks noChangeAspect="1"/>
+          </p:cNvPicPr>
+          <p:nvPr/>
+        </p:nvPicPr>
+        <p:blipFill>
+          <a:blip r:embed="rId3"/>
+          <a:stretch>
+            <a:fillRect/>
+          </a:stretch>
+        </p:blipFill>
+        <p:spPr>
+          <a:xfrm>
+            <a:off x="6969907" y="3586193"/>
+            <a:ext cx="4744112" cy="1162212"/>
+          </a:xfrm>
+          <a:prstGeom prst="rect">
+            <a:avLst/>
+          </a:prstGeom>
+        </p:spPr>
+      </p:pic>
     </p:spTree>
     <p:extLst>
       <p:ext uri="{BB962C8B-B14F-4D97-AF65-F5344CB8AC3E}">

--- a/ModernFortran.f10/20210724_リファクタリング.pptx
+++ b/ModernFortran.f10/20210724_リファクタリング.pptx
@@ -19296,15 +19296,75 @@
             <p:ph type="body" idx="1"/>
           </p:nvPr>
         </p:nvSpPr>
-        <p:spPr/>
+        <p:spPr>
+          <a:xfrm>
+            <a:off x="838200" y="995423"/>
+            <a:ext cx="5257800" cy="5181540"/>
+          </a:xfrm>
+        </p:spPr>
         <p:txBody>
           <a:bodyPr/>
           <a:lstStyle/>
           <a:p>
-            <a:endParaRPr lang="ja-JP" altLang="en-US"/>
+            <a:r>
+              <a:rPr lang="en-US" altLang="ja-JP" dirty="0"/>
+              <a:t>IF</a:t>
+            </a:r>
+            <a:r>
+              <a:rPr lang="ja-JP" altLang="en-US" dirty="0"/>
+              <a:t>、</a:t>
+            </a:r>
+            <a:r>
+              <a:rPr lang="en-US" altLang="ja-JP" dirty="0"/>
+              <a:t>DO</a:t>
+            </a:r>
+            <a:r>
+              <a:rPr lang="ja-JP" altLang="en-US" dirty="0"/>
+              <a:t>などを小文字に置き換える。</a:t>
+            </a:r>
+            <a:endParaRPr lang="en-US" altLang="ja-JP" dirty="0"/>
+          </a:p>
+          <a:p>
+            <a:endParaRPr lang="en-US" altLang="ja-JP" dirty="0"/>
+          </a:p>
+          <a:p>
+            <a:r>
+              <a:rPr lang="ja-JP" altLang="en-US" dirty="0"/>
+              <a:t>コメントやメッセージなどを置換でひっかけないように気を付ける。</a:t>
+            </a:r>
           </a:p>
         </p:txBody>
       </p:sp>
+      <p:pic>
+        <p:nvPicPr>
+          <p:cNvPr id="3" name="図 2">
+            <a:extLst>
+              <a:ext uri="{FF2B5EF4-FFF2-40B4-BE49-F238E27FC236}">
+                <a16:creationId xmlns:a16="http://schemas.microsoft.com/office/drawing/2014/main" id="{93D7A396-9D4F-4C33-A25B-DDCBC5530C00}"/>
+              </a:ext>
+            </a:extLst>
+          </p:cNvPr>
+          <p:cNvPicPr>
+            <a:picLocks noChangeAspect="1"/>
+          </p:cNvPicPr>
+          <p:nvPr/>
+        </p:nvPicPr>
+        <p:blipFill>
+          <a:blip r:embed="rId2"/>
+          <a:stretch>
+            <a:fillRect/>
+          </a:stretch>
+        </p:blipFill>
+        <p:spPr>
+          <a:xfrm>
+            <a:off x="6629397" y="1534739"/>
+            <a:ext cx="5287113" cy="3600953"/>
+          </a:xfrm>
+          <a:prstGeom prst="rect">
+            <a:avLst/>
+          </a:prstGeom>
+        </p:spPr>
+      </p:pic>
     </p:spTree>
     <p:extLst>
       <p:ext uri="{BB962C8B-B14F-4D97-AF65-F5344CB8AC3E}">

--- a/ModernFortran.f10/20210724_リファクタリング.pptx
+++ b/ModernFortran.f10/20210724_リファクタリング.pptx
@@ -19444,15 +19444,63 @@
             <p:ph type="body" idx="1"/>
           </p:nvPr>
         </p:nvSpPr>
-        <p:spPr/>
+        <p:spPr>
+          <a:xfrm>
+            <a:off x="838200" y="995423"/>
+            <a:ext cx="5386754" cy="5181540"/>
+          </a:xfrm>
+        </p:spPr>
         <p:txBody>
           <a:bodyPr/>
           <a:lstStyle/>
           <a:p>
-            <a:endParaRPr lang="ja-JP" altLang="en-US"/>
+            <a:r>
+              <a:rPr lang="ja-JP" altLang="en-US" dirty="0"/>
+              <a:t>これは作業ではないけれど、重要なので気を付ける。</a:t>
+            </a:r>
+            <a:endParaRPr lang="en-US" altLang="ja-JP" dirty="0"/>
+          </a:p>
+          <a:p>
+            <a:endParaRPr lang="en-US" altLang="ja-JP" dirty="0"/>
+          </a:p>
+          <a:p>
+            <a:r>
+              <a:rPr lang="ja-JP" altLang="en-US" dirty="0"/>
+              <a:t>うかつに書き換えると動かなくなるので、ここでは我慢する。</a:t>
+            </a:r>
           </a:p>
         </p:txBody>
       </p:sp>
+      <p:pic>
+        <p:nvPicPr>
+          <p:cNvPr id="3" name="図 2">
+            <a:extLst>
+              <a:ext uri="{FF2B5EF4-FFF2-40B4-BE49-F238E27FC236}">
+                <a16:creationId xmlns:a16="http://schemas.microsoft.com/office/drawing/2014/main" id="{A89DCFE3-810B-4CD9-AD06-B4349274FD3C}"/>
+              </a:ext>
+            </a:extLst>
+          </p:cNvPr>
+          <p:cNvPicPr>
+            <a:picLocks noChangeAspect="1"/>
+          </p:cNvPicPr>
+          <p:nvPr/>
+        </p:nvPicPr>
+        <p:blipFill>
+          <a:blip r:embed="rId2"/>
+          <a:stretch>
+            <a:fillRect/>
+          </a:stretch>
+        </p:blipFill>
+        <p:spPr>
+          <a:xfrm>
+            <a:off x="7377214" y="2160931"/>
+            <a:ext cx="3791479" cy="2067213"/>
+          </a:xfrm>
+          <a:prstGeom prst="rect">
+            <a:avLst/>
+          </a:prstGeom>
+        </p:spPr>
+      </p:pic>
     </p:spTree>
     <p:extLst>
       <p:ext uri="{BB962C8B-B14F-4D97-AF65-F5344CB8AC3E}">
@@ -19551,7 +19599,7 @@
             </a:r>
             <a:r>
               <a:rPr kumimoji="1" lang="ja-JP" altLang="en-US" dirty="0"/>
-              <a:t>文はなかった</a:t>
+              <a:t>文はなかった。</a:t>
             </a:r>
           </a:p>
         </p:txBody>
@@ -19643,15 +19691,80 @@
             <p:ph type="body" idx="1"/>
           </p:nvPr>
         </p:nvSpPr>
-        <p:spPr/>
+        <p:spPr>
+          <a:xfrm>
+            <a:off x="838200" y="995423"/>
+            <a:ext cx="4378569" cy="5181540"/>
+          </a:xfrm>
+        </p:spPr>
         <p:txBody>
           <a:bodyPr/>
           <a:lstStyle/>
           <a:p>
-            <a:endParaRPr kumimoji="1" lang="ja-JP" altLang="en-US"/>
+            <a:r>
+              <a:rPr kumimoji="1" lang="ja-JP" altLang="en-US" dirty="0"/>
+              <a:t>置換で一気に変換する。</a:t>
+            </a:r>
+            <a:endParaRPr kumimoji="1" lang="en-US" altLang="ja-JP" dirty="0"/>
+          </a:p>
+          <a:p>
+            <a:endParaRPr lang="en-US" altLang="ja-JP" dirty="0"/>
+          </a:p>
+          <a:p>
+            <a:r>
+              <a:rPr kumimoji="1" lang="en-US" altLang="ja-JP" dirty="0"/>
+              <a:t>read(*,*)</a:t>
+            </a:r>
+            <a:r>
+              <a:rPr kumimoji="1" lang="ja-JP" altLang="en-US" dirty="0"/>
+              <a:t>も</a:t>
+            </a:r>
+            <a:r>
+              <a:rPr kumimoji="1" lang="en-US" altLang="ja-JP" dirty="0"/>
+              <a:t>read *,</a:t>
+            </a:r>
+            <a:r>
+              <a:rPr kumimoji="1" lang="ja-JP" altLang="en-US" dirty="0"/>
+              <a:t>に置き換えれるが、ここはローカルのルールに任せる</a:t>
+            </a:r>
+            <a:r>
+              <a:rPr lang="ja-JP" altLang="en-US" dirty="0"/>
+              <a:t>。</a:t>
+            </a:r>
+            <a:endParaRPr kumimoji="1" lang="en-US" altLang="ja-JP" dirty="0"/>
           </a:p>
         </p:txBody>
       </p:sp>
+      <p:pic>
+        <p:nvPicPr>
+          <p:cNvPr id="7" name="図 6">
+            <a:extLst>
+              <a:ext uri="{FF2B5EF4-FFF2-40B4-BE49-F238E27FC236}">
+                <a16:creationId xmlns:a16="http://schemas.microsoft.com/office/drawing/2014/main" id="{672E5366-504E-4A8D-BDDA-CC781ADD21E9}"/>
+              </a:ext>
+            </a:extLst>
+          </p:cNvPr>
+          <p:cNvPicPr>
+            <a:picLocks noChangeAspect="1"/>
+          </p:cNvPicPr>
+          <p:nvPr/>
+        </p:nvPicPr>
+        <p:blipFill>
+          <a:blip r:embed="rId2"/>
+          <a:stretch>
+            <a:fillRect/>
+          </a:stretch>
+        </p:blipFill>
+        <p:spPr>
+          <a:xfrm>
+            <a:off x="5382990" y="1395128"/>
+            <a:ext cx="6677957" cy="4067743"/>
+          </a:xfrm>
+          <a:prstGeom prst="rect">
+            <a:avLst/>
+          </a:prstGeom>
+        </p:spPr>
+      </p:pic>
     </p:spTree>
     <p:extLst>
       <p:ext uri="{BB962C8B-B14F-4D97-AF65-F5344CB8AC3E}">

--- a/ModernFortran.f10/20210724_リファクタリング.pptx
+++ b/ModernFortran.f10/20210724_リファクタリング.pptx
@@ -19826,7 +19826,7 @@
             </a:r>
             <a:r>
               <a:rPr kumimoji="1" lang="en-US" altLang="ja-JP" dirty="0"/>
-              <a:t>Do</a:t>
+              <a:t>do</a:t>
             </a:r>
             <a:r>
               <a:rPr kumimoji="1" lang="ja-JP" altLang="en-US" dirty="0"/>
@@ -19861,7 +19861,15 @@
           <a:bodyPr/>
           <a:lstStyle/>
           <a:p>
-            <a:endParaRPr kumimoji="1" lang="ja-JP" altLang="en-US"/>
+            <a:r>
+              <a:rPr kumimoji="1" lang="en-US" altLang="ja-JP" dirty="0"/>
+              <a:t>GOTO</a:t>
+            </a:r>
+            <a:r>
+              <a:rPr kumimoji="1" lang="ja-JP" altLang="en-US" dirty="0"/>
+              <a:t>ループはなかった。</a:t>
+            </a:r>
+            <a:endParaRPr kumimoji="1" lang="en-US" altLang="ja-JP" dirty="0"/>
           </a:p>
         </p:txBody>
       </p:sp>
@@ -19964,15 +19972,80 @@
             <p:ph type="body" idx="1"/>
           </p:nvPr>
         </p:nvSpPr>
-        <p:spPr/>
+        <p:spPr>
+          <a:xfrm>
+            <a:off x="838200" y="995423"/>
+            <a:ext cx="5843954" cy="5181540"/>
+          </a:xfrm>
+        </p:spPr>
         <p:txBody>
           <a:bodyPr/>
           <a:lstStyle/>
           <a:p>
-            <a:endParaRPr kumimoji="1" lang="ja-JP" altLang="en-US"/>
+            <a:r>
+              <a:rPr kumimoji="1" lang="en-US" altLang="ja-JP" dirty="0"/>
+              <a:t>go</a:t>
+            </a:r>
+            <a:r>
+              <a:rPr lang="ja-JP" altLang="en-US" dirty="0"/>
+              <a:t> </a:t>
+            </a:r>
+            <a:r>
+              <a:rPr kumimoji="1" lang="en-US" altLang="ja-JP" dirty="0"/>
+              <a:t>to</a:t>
+            </a:r>
+            <a:r>
+              <a:rPr kumimoji="1" lang="ja-JP" altLang="en-US" dirty="0"/>
+              <a:t>で抜けるループがあるので書き換える。</a:t>
+            </a:r>
+            <a:endParaRPr kumimoji="1" lang="en-US" altLang="ja-JP" dirty="0"/>
+          </a:p>
+          <a:p>
+            <a:endParaRPr lang="en-US" altLang="ja-JP" dirty="0"/>
+          </a:p>
+          <a:p>
+            <a:r>
+              <a:rPr lang="en-US" altLang="ja-JP" dirty="0"/>
+              <a:t>DO</a:t>
+            </a:r>
+            <a:r>
+              <a:rPr lang="ja-JP" altLang="en-US" dirty="0"/>
+              <a:t>文が文番号形式なので、それも後で書き換える。</a:t>
+            </a:r>
+            <a:endParaRPr lang="en-US" altLang="ja-JP" dirty="0"/>
           </a:p>
         </p:txBody>
       </p:sp>
+      <p:pic>
+        <p:nvPicPr>
+          <p:cNvPr id="5" name="図 4">
+            <a:extLst>
+              <a:ext uri="{FF2B5EF4-FFF2-40B4-BE49-F238E27FC236}">
+                <a16:creationId xmlns:a16="http://schemas.microsoft.com/office/drawing/2014/main" id="{24A48838-31CC-48A8-9575-90FEC9E14409}"/>
+              </a:ext>
+            </a:extLst>
+          </p:cNvPr>
+          <p:cNvPicPr>
+            <a:picLocks noChangeAspect="1"/>
+          </p:cNvPicPr>
+          <p:nvPr/>
+        </p:nvPicPr>
+        <p:blipFill>
+          <a:blip r:embed="rId2"/>
+          <a:stretch>
+            <a:fillRect/>
+          </a:stretch>
+        </p:blipFill>
+        <p:spPr>
+          <a:xfrm>
+            <a:off x="6876308" y="995424"/>
+            <a:ext cx="4248892" cy="2429026"/>
+          </a:xfrm>
+          <a:prstGeom prst="rect">
+            <a:avLst/>
+          </a:prstGeom>
+        </p:spPr>
+      </p:pic>
     </p:spTree>
     <p:extLst>
       <p:ext uri="{BB962C8B-B14F-4D97-AF65-F5344CB8AC3E}">
@@ -20080,7 +20153,23 @@
           <a:bodyPr/>
           <a:lstStyle/>
           <a:p>
-            <a:endParaRPr kumimoji="1" lang="ja-JP" altLang="en-US"/>
+            <a:r>
+              <a:rPr lang="en-US" altLang="ja-JP" dirty="0"/>
+              <a:t>if</a:t>
+            </a:r>
+            <a:r>
+              <a:rPr lang="ja-JP" altLang="en-US" dirty="0"/>
+              <a:t>文かました</a:t>
+            </a:r>
+            <a:r>
+              <a:rPr lang="en-US" altLang="ja-JP" dirty="0"/>
+              <a:t>GOTO</a:t>
+            </a:r>
+            <a:r>
+              <a:rPr lang="ja-JP" altLang="en-US" dirty="0"/>
+              <a:t>抜けはなかった。</a:t>
+            </a:r>
+            <a:endParaRPr kumimoji="1" lang="ja-JP" altLang="en-US" dirty="0"/>
           </a:p>
         </p:txBody>
       </p:sp>
@@ -20224,8 +20313,16 @@
           <a:lstStyle/>
           <a:p>
             <a:r>
-              <a:rPr kumimoji="1" lang="en-US" altLang="ja-JP" dirty="0" err="1"/>
-              <a:t>implicitnone</a:t>
+              <a:rPr kumimoji="1" lang="en-US" altLang="ja-JP" dirty="0"/>
+              <a:t>implicit</a:t>
+            </a:r>
+            <a:r>
+              <a:rPr lang="ja-JP" altLang="en-US" dirty="0"/>
+              <a:t> </a:t>
+            </a:r>
+            <a:r>
+              <a:rPr kumimoji="1" lang="en-US" altLang="ja-JP" dirty="0"/>
+              <a:t>none</a:t>
             </a:r>
             <a:r>
               <a:rPr kumimoji="1" lang="ja-JP" altLang="en-US" dirty="0"/>

--- a/ModernFortran.f10/20210724_リファクタリング.pptx
+++ b/ModernFortran.f10/20210724_リファクタリング.pptx
@@ -20014,6 +20014,23 @@
             </a:r>
             <a:endParaRPr lang="en-US" altLang="ja-JP" dirty="0"/>
           </a:p>
+          <a:p>
+            <a:r>
+              <a:rPr lang="ja-JP" altLang="en-US" dirty="0"/>
+              <a:t>多重ループを文番号共通で実施しているのも、何か後で問題になりそうなので直しておく。</a:t>
+            </a:r>
+            <a:endParaRPr lang="en-US" altLang="ja-JP" dirty="0"/>
+          </a:p>
+          <a:p>
+            <a:endParaRPr lang="en-US" altLang="ja-JP" dirty="0"/>
+          </a:p>
+          <a:p>
+            <a:r>
+              <a:rPr lang="ja-JP" altLang="en-US"/>
+              <a:t>インデントずれはもともとのコードからあるので、後で直すことにする。</a:t>
+            </a:r>
+            <a:endParaRPr lang="en-US" altLang="ja-JP" dirty="0"/>
+          </a:p>
         </p:txBody>
       </p:sp>
       <p:pic>
@@ -20038,8 +20055,38 @@
         </p:blipFill>
         <p:spPr>
           <a:xfrm>
-            <a:off x="6876308" y="995424"/>
+            <a:off x="6876308" y="958956"/>
             <a:ext cx="4248892" cy="2429026"/>
+          </a:xfrm>
+          <a:prstGeom prst="rect">
+            <a:avLst/>
+          </a:prstGeom>
+        </p:spPr>
+      </p:pic>
+      <p:pic>
+        <p:nvPicPr>
+          <p:cNvPr id="6" name="図 5">
+            <a:extLst>
+              <a:ext uri="{FF2B5EF4-FFF2-40B4-BE49-F238E27FC236}">
+                <a16:creationId xmlns:a16="http://schemas.microsoft.com/office/drawing/2014/main" id="{10BDA185-2677-4B18-A090-FBA11AF4ECFC}"/>
+              </a:ext>
+            </a:extLst>
+          </p:cNvPr>
+          <p:cNvPicPr>
+            <a:picLocks noChangeAspect="1"/>
+          </p:cNvPicPr>
+          <p:nvPr/>
+        </p:nvPicPr>
+        <p:blipFill>
+          <a:blip r:embed="rId3"/>
+          <a:stretch>
+            <a:fillRect/>
+          </a:stretch>
+        </p:blipFill>
+        <p:spPr>
+          <a:xfrm>
+            <a:off x="7725831" y="3467260"/>
+            <a:ext cx="4128057" cy="2708391"/>
           </a:xfrm>
           <a:prstGeom prst="rect">
             <a:avLst/>

--- a/ModernFortran.f10/20210724_リファクタリング.pptx
+++ b/ModernFortran.f10/20210724_リファクタリング.pptx
@@ -45,12 +45,15 @@
     <p:sldId id="282" r:id="rId39"/>
     <p:sldId id="283" r:id="rId40"/>
     <p:sldId id="284" r:id="rId41"/>
-    <p:sldId id="285" r:id="rId42"/>
-    <p:sldId id="286" r:id="rId43"/>
-    <p:sldId id="287" r:id="rId44"/>
-    <p:sldId id="288" r:id="rId45"/>
-    <p:sldId id="289" r:id="rId46"/>
-    <p:sldId id="290" r:id="rId47"/>
+    <p:sldId id="303" r:id="rId42"/>
+    <p:sldId id="304" r:id="rId43"/>
+    <p:sldId id="285" r:id="rId44"/>
+    <p:sldId id="286" r:id="rId45"/>
+    <p:sldId id="287" r:id="rId46"/>
+    <p:sldId id="288" r:id="rId47"/>
+    <p:sldId id="289" r:id="rId48"/>
+    <p:sldId id="290" r:id="rId49"/>
+    <p:sldId id="305" r:id="rId50"/>
   </p:sldIdLst>
   <p:sldSz cx="12192000" cy="6858000"/>
   <p:notesSz cx="6858000" cy="9144000"/>
@@ -20304,7 +20307,28 @@
           <a:bodyPr/>
           <a:lstStyle/>
           <a:p>
-            <a:endParaRPr kumimoji="1" lang="ja-JP" altLang="en-US"/>
+            <a:r>
+              <a:rPr kumimoji="1" lang="ja-JP" altLang="en-US" dirty="0"/>
+              <a:t>ルーチンが長ければソースコードを分割することも考えるが今回短いので実施しない。</a:t>
+            </a:r>
+            <a:endParaRPr kumimoji="1" lang="en-US" altLang="ja-JP" dirty="0"/>
+          </a:p>
+          <a:p>
+            <a:endParaRPr lang="en-US" altLang="ja-JP" dirty="0"/>
+          </a:p>
+          <a:p>
+            <a:r>
+              <a:rPr kumimoji="1" lang="ja-JP" altLang="en-US" dirty="0"/>
+              <a:t>実施するとすれば、のちの改修内容によって、</a:t>
+            </a:r>
+            <a:r>
+              <a:rPr kumimoji="1" lang="en-US" altLang="ja-JP" dirty="0"/>
+              <a:t>I/O</a:t>
+            </a:r>
+            <a:r>
+              <a:rPr kumimoji="1" lang="ja-JP" altLang="en-US" dirty="0"/>
+              <a:t>部分やソルバ部分を切り出してもよいと思う。</a:t>
+            </a:r>
           </a:p>
         </p:txBody>
       </p:sp>
@@ -20399,15 +20423,73 @@
             <p:ph type="body" idx="1"/>
           </p:nvPr>
         </p:nvSpPr>
-        <p:spPr/>
+        <p:spPr>
+          <a:xfrm>
+            <a:off x="838200" y="995423"/>
+            <a:ext cx="5257800" cy="5181540"/>
+          </a:xfrm>
+        </p:spPr>
         <p:txBody>
           <a:bodyPr/>
           <a:lstStyle/>
           <a:p>
-            <a:endParaRPr kumimoji="1" lang="ja-JP" altLang="en-US"/>
+            <a:r>
+              <a:rPr kumimoji="1" lang="ja-JP" altLang="en-US" dirty="0"/>
+              <a:t>このコードも暗黙の型宣言をバリバリ使っている。</a:t>
+            </a:r>
+            <a:endParaRPr kumimoji="1" lang="en-US" altLang="ja-JP" dirty="0"/>
+          </a:p>
+          <a:p>
+            <a:endParaRPr lang="en-US" altLang="ja-JP" dirty="0"/>
+          </a:p>
+          <a:p>
+            <a:r>
+              <a:rPr kumimoji="1" lang="ja-JP" altLang="en-US" dirty="0"/>
+              <a:t>追記するとエラーの山</a:t>
+            </a:r>
+            <a:endParaRPr kumimoji="1" lang="en-US" altLang="ja-JP" dirty="0"/>
+          </a:p>
+          <a:p>
+            <a:endParaRPr lang="en-US" altLang="ja-JP" dirty="0"/>
+          </a:p>
+          <a:p>
+            <a:r>
+              <a:rPr kumimoji="1" lang="ja-JP" altLang="en-US" dirty="0"/>
+              <a:t>手間はかかるがしっかりと型宣言を書き、変数の管理を行う。</a:t>
+            </a:r>
           </a:p>
         </p:txBody>
       </p:sp>
+      <p:pic>
+        <p:nvPicPr>
+          <p:cNvPr id="5" name="図 4">
+            <a:extLst>
+              <a:ext uri="{FF2B5EF4-FFF2-40B4-BE49-F238E27FC236}">
+                <a16:creationId xmlns:a16="http://schemas.microsoft.com/office/drawing/2014/main" id="{F5A38C79-468E-467C-9FB4-72A75B4B259E}"/>
+              </a:ext>
+            </a:extLst>
+          </p:cNvPr>
+          <p:cNvPicPr>
+            <a:picLocks noChangeAspect="1"/>
+          </p:cNvPicPr>
+          <p:nvPr/>
+        </p:nvPicPr>
+        <p:blipFill>
+          <a:blip r:embed="rId2"/>
+          <a:stretch>
+            <a:fillRect/>
+          </a:stretch>
+        </p:blipFill>
+        <p:spPr>
+          <a:xfrm>
+            <a:off x="5990492" y="1133155"/>
+            <a:ext cx="6201508" cy="4105944"/>
+          </a:xfrm>
+          <a:prstGeom prst="rect">
+            <a:avLst/>
+          </a:prstGeom>
+        </p:spPr>
+      </p:pic>
     </p:spTree>
     <p:extLst>
       <p:ext uri="{BB962C8B-B14F-4D97-AF65-F5344CB8AC3E}">
@@ -20492,7 +20574,18 @@
           <a:bodyPr/>
           <a:lstStyle/>
           <a:p>
-            <a:endParaRPr kumimoji="1" lang="ja-JP" altLang="en-US"/>
+            <a:r>
+              <a:rPr kumimoji="1" lang="ja-JP" altLang="en-US" dirty="0"/>
+              <a:t>今回は型宣言がないので、書き直しはないが、改めて</a:t>
+            </a:r>
+            <a:r>
+              <a:rPr kumimoji="1" lang="en-US" altLang="ja-JP" dirty="0"/>
+              <a:t>real*4</a:t>
+            </a:r>
+            <a:r>
+              <a:rPr kumimoji="1" lang="ja-JP" altLang="en-US" dirty="0"/>
+              <a:t>とか書かないように気を付ける。</a:t>
+            </a:r>
           </a:p>
         </p:txBody>
       </p:sp>
@@ -21419,7 +21512,20 @@
           <a:bodyPr/>
           <a:lstStyle/>
           <a:p>
-            <a:endParaRPr kumimoji="1" lang="ja-JP" altLang="en-US"/>
+            <a:r>
+              <a:rPr kumimoji="1" lang="ja-JP" altLang="en-US" dirty="0"/>
+              <a:t>このスライドで代用する。</a:t>
+            </a:r>
+            <a:endParaRPr kumimoji="1" lang="en-US" altLang="ja-JP" dirty="0"/>
+          </a:p>
+          <a:p>
+            <a:endParaRPr lang="en-US" altLang="ja-JP" dirty="0"/>
+          </a:p>
+          <a:p>
+            <a:r>
+              <a:rPr kumimoji="1" lang="ja-JP" altLang="en-US" dirty="0"/>
+              <a:t>リファクタリングはどこかで計算結果が変わったりするので、やったことは残すようにした方がよい。</a:t>
+            </a:r>
           </a:p>
         </p:txBody>
       </p:sp>
@@ -21458,6 +21564,247 @@
           <p:cNvPr id="2" name="タイトル 1">
             <a:extLst>
               <a:ext uri="{FF2B5EF4-FFF2-40B4-BE49-F238E27FC236}">
+                <a16:creationId xmlns:a16="http://schemas.microsoft.com/office/drawing/2014/main" id="{7FE1035E-40A8-48C3-BF6E-2D888B07C82E}"/>
+              </a:ext>
+            </a:extLst>
+          </p:cNvPr>
+          <p:cNvSpPr>
+            <a:spLocks noGrp="1"/>
+          </p:cNvSpPr>
+          <p:nvPr>
+            <p:ph type="title"/>
+          </p:nvPr>
+        </p:nvSpPr>
+        <p:spPr/>
+        <p:txBody>
+          <a:bodyPr/>
+          <a:lstStyle/>
+          <a:p>
+            <a:r>
+              <a:rPr lang="ja-JP" altLang="en-US" dirty="0"/>
+              <a:t>やり残しを直す</a:t>
+            </a:r>
+            <a:endParaRPr kumimoji="1" lang="ja-JP" altLang="en-US" dirty="0"/>
+          </a:p>
+        </p:txBody>
+      </p:sp>
+      <p:sp>
+        <p:nvSpPr>
+          <p:cNvPr id="3" name="テキスト プレースホルダー 2">
+            <a:extLst>
+              <a:ext uri="{FF2B5EF4-FFF2-40B4-BE49-F238E27FC236}">
+                <a16:creationId xmlns:a16="http://schemas.microsoft.com/office/drawing/2014/main" id="{4385BEA0-6856-4DEC-8E66-EE44A28E4274}"/>
+              </a:ext>
+            </a:extLst>
+          </p:cNvPr>
+          <p:cNvSpPr>
+            <a:spLocks noGrp="1"/>
+          </p:cNvSpPr>
+          <p:nvPr>
+            <p:ph type="body" idx="1"/>
+          </p:nvPr>
+        </p:nvSpPr>
+        <p:spPr/>
+        <p:txBody>
+          <a:bodyPr/>
+          <a:lstStyle/>
+          <a:p>
+            <a:r>
+              <a:rPr kumimoji="1" lang="en-US" altLang="ja-JP" dirty="0"/>
+              <a:t>SUBROUTINE</a:t>
+            </a:r>
+            <a:r>
+              <a:rPr kumimoji="1" lang="ja-JP" altLang="en-US" dirty="0"/>
+              <a:t>文を直し忘れていたので直す。</a:t>
+            </a:r>
+            <a:endParaRPr kumimoji="1" lang="en-US" altLang="ja-JP" dirty="0"/>
+          </a:p>
+          <a:p>
+            <a:endParaRPr lang="en-US" altLang="ja-JP" dirty="0"/>
+          </a:p>
+          <a:p>
+            <a:r>
+              <a:rPr lang="ja-JP" altLang="en-US" dirty="0"/>
+              <a:t>インデックスずれを直す。</a:t>
+            </a:r>
+            <a:endParaRPr lang="en-US" altLang="ja-JP" dirty="0"/>
+          </a:p>
+          <a:p>
+            <a:endParaRPr lang="en-US" altLang="ja-JP" dirty="0"/>
+          </a:p>
+          <a:p>
+            <a:r>
+              <a:rPr lang="ja-JP" altLang="en-US" dirty="0"/>
+              <a:t>コメント文をＣから！に直す</a:t>
+            </a:r>
+            <a:endParaRPr lang="en-US" altLang="ja-JP" dirty="0"/>
+          </a:p>
+          <a:p>
+            <a:endParaRPr lang="en-US" altLang="ja-JP" dirty="0"/>
+          </a:p>
+          <a:p>
+            <a:r>
+              <a:rPr lang="ja-JP" altLang="en-US" dirty="0"/>
+              <a:t>ファイル拡張子を</a:t>
+            </a:r>
+            <a:r>
+              <a:rPr lang="en-US" altLang="ja-JP" dirty="0"/>
+              <a:t>f90</a:t>
+            </a:r>
+            <a:r>
+              <a:rPr lang="ja-JP" altLang="en-US" dirty="0"/>
+              <a:t>にする</a:t>
+            </a:r>
+            <a:endParaRPr lang="en-US" altLang="ja-JP" dirty="0"/>
+          </a:p>
+          <a:p>
+            <a:endParaRPr kumimoji="1" lang="ja-JP" altLang="en-US" dirty="0"/>
+          </a:p>
+        </p:txBody>
+      </p:sp>
+    </p:spTree>
+    <p:extLst>
+      <p:ext uri="{BB962C8B-B14F-4D97-AF65-F5344CB8AC3E}">
+        <p14:creationId xmlns:p14="http://schemas.microsoft.com/office/powerpoint/2010/main" val="824815064"/>
+      </p:ext>
+    </p:extLst>
+  </p:cSld>
+  <p:clrMapOvr>
+    <a:masterClrMapping/>
+  </p:clrMapOvr>
+</p:sld>
+</file>
+
+<file path=ppt/slides/slide42.xml><?xml version="1.0" encoding="utf-8"?>
+<p:sld xmlns:a="http://schemas.openxmlformats.org/drawingml/2006/main" xmlns:r="http://schemas.openxmlformats.org/officeDocument/2006/relationships" xmlns:p="http://schemas.openxmlformats.org/presentationml/2006/main">
+  <p:cSld>
+    <p:spTree>
+      <p:nvGrpSpPr>
+        <p:cNvPr id="1" name=""/>
+        <p:cNvGrpSpPr/>
+        <p:nvPr/>
+      </p:nvGrpSpPr>
+      <p:grpSpPr>
+        <a:xfrm>
+          <a:off x="0" y="0"/>
+          <a:ext cx="0" cy="0"/>
+          <a:chOff x="0" y="0"/>
+          <a:chExt cx="0" cy="0"/>
+        </a:xfrm>
+      </p:grpSpPr>
+      <p:sp>
+        <p:nvSpPr>
+          <p:cNvPr id="2" name="タイトル 1">
+            <a:extLst>
+              <a:ext uri="{FF2B5EF4-FFF2-40B4-BE49-F238E27FC236}">
+                <a16:creationId xmlns:a16="http://schemas.microsoft.com/office/drawing/2014/main" id="{EBC715BC-D415-48DB-A735-769BB9DB15E0}"/>
+              </a:ext>
+            </a:extLst>
+          </p:cNvPr>
+          <p:cNvSpPr>
+            <a:spLocks noGrp="1"/>
+          </p:cNvSpPr>
+          <p:nvPr>
+            <p:ph type="title"/>
+          </p:nvPr>
+        </p:nvSpPr>
+        <p:spPr/>
+        <p:txBody>
+          <a:bodyPr/>
+          <a:lstStyle/>
+          <a:p>
+            <a:r>
+              <a:rPr kumimoji="1" lang="ja-JP" altLang="en-US" dirty="0"/>
+              <a:t>作業編のまとめ</a:t>
+            </a:r>
+          </a:p>
+        </p:txBody>
+      </p:sp>
+      <p:sp>
+        <p:nvSpPr>
+          <p:cNvPr id="3" name="テキスト プレースホルダー 2">
+            <a:extLst>
+              <a:ext uri="{FF2B5EF4-FFF2-40B4-BE49-F238E27FC236}">
+                <a16:creationId xmlns:a16="http://schemas.microsoft.com/office/drawing/2014/main" id="{4C86CF25-C1E3-4D5E-B1B0-B44F7BD94BFA}"/>
+              </a:ext>
+            </a:extLst>
+          </p:cNvPr>
+          <p:cNvSpPr>
+            <a:spLocks noGrp="1"/>
+          </p:cNvSpPr>
+          <p:nvPr>
+            <p:ph type="body" idx="1"/>
+          </p:nvPr>
+        </p:nvSpPr>
+        <p:spPr/>
+        <p:txBody>
+          <a:bodyPr/>
+          <a:lstStyle/>
+          <a:p>
+            <a:r>
+              <a:rPr kumimoji="1" lang="ja-JP" altLang="en-US" dirty="0"/>
+              <a:t>最初のプログラムよりも大分モダンっぽく（</a:t>
+            </a:r>
+            <a:r>
+              <a:rPr kumimoji="1" lang="en-US" altLang="ja-JP" dirty="0"/>
+              <a:t>f90</a:t>
+            </a:r>
+            <a:r>
+              <a:rPr kumimoji="1" lang="ja-JP" altLang="en-US" dirty="0"/>
+              <a:t>くらいに）なった。</a:t>
+            </a:r>
+            <a:endParaRPr kumimoji="1" lang="en-US" altLang="ja-JP" dirty="0"/>
+          </a:p>
+          <a:p>
+            <a:endParaRPr lang="en-US" altLang="ja-JP" dirty="0"/>
+          </a:p>
+          <a:p>
+            <a:r>
+              <a:rPr kumimoji="1" lang="en-US" altLang="ja-JP" dirty="0"/>
+              <a:t>Python</a:t>
+            </a:r>
+            <a:r>
+              <a:rPr kumimoji="1" lang="ja-JP" altLang="en-US" dirty="0"/>
+              <a:t>等がはやっている今の世の中的には大文字プログラムはなれという意味で読みにくい部分があるのではないかと改めて思う。</a:t>
+            </a:r>
+          </a:p>
+        </p:txBody>
+      </p:sp>
+    </p:spTree>
+    <p:extLst>
+      <p:ext uri="{BB962C8B-B14F-4D97-AF65-F5344CB8AC3E}">
+        <p14:creationId xmlns:p14="http://schemas.microsoft.com/office/powerpoint/2010/main" val="2949101180"/>
+      </p:ext>
+    </p:extLst>
+  </p:cSld>
+  <p:clrMapOvr>
+    <a:masterClrMapping/>
+  </p:clrMapOvr>
+</p:sld>
+</file>
+
+<file path=ppt/slides/slide43.xml><?xml version="1.0" encoding="utf-8"?>
+<p:sld xmlns:a="http://schemas.openxmlformats.org/drawingml/2006/main" xmlns:r="http://schemas.openxmlformats.org/officeDocument/2006/relationships" xmlns:p="http://schemas.openxmlformats.org/presentationml/2006/main">
+  <p:cSld>
+    <p:spTree>
+      <p:nvGrpSpPr>
+        <p:cNvPr id="1" name=""/>
+        <p:cNvGrpSpPr/>
+        <p:nvPr/>
+      </p:nvGrpSpPr>
+      <p:grpSpPr>
+        <a:xfrm>
+          <a:off x="0" y="0"/>
+          <a:ext cx="0" cy="0"/>
+          <a:chOff x="0" y="0"/>
+          <a:chExt cx="0" cy="0"/>
+        </a:xfrm>
+      </p:grpSpPr>
+      <p:sp>
+        <p:nvSpPr>
+          <p:cNvPr id="2" name="タイトル 1">
+            <a:extLst>
+              <a:ext uri="{FF2B5EF4-FFF2-40B4-BE49-F238E27FC236}">
                 <a16:creationId xmlns:a16="http://schemas.microsoft.com/office/drawing/2014/main" id="{B6FFD372-B15D-4DC7-AC74-6F49A85799B3}"/>
               </a:ext>
             </a:extLst>
@@ -21519,7 +21866,7 @@
 </p:sld>
 </file>
 
-<file path=ppt/slides/slide42.xml><?xml version="1.0" encoding="utf-8"?>
+<file path=ppt/slides/slide44.xml><?xml version="1.0" encoding="utf-8"?>
 <p:sld xmlns:a="http://schemas.openxmlformats.org/drawingml/2006/main" xmlns:r="http://schemas.openxmlformats.org/officeDocument/2006/relationships" xmlns:p="http://schemas.openxmlformats.org/presentationml/2006/main">
   <p:cSld>
     <p:spTree>
@@ -21590,7 +21937,7 @@
           <a:bodyPr/>
           <a:lstStyle/>
           <a:p>
-            <a:endParaRPr kumimoji="1" lang="ja-JP" altLang="en-US"/>
+            <a:endParaRPr kumimoji="1" lang="ja-JP" altLang="en-US" dirty="0"/>
           </a:p>
         </p:txBody>
       </p:sp>
@@ -21607,7 +21954,7 @@
 </p:sld>
 </file>
 
-<file path=ppt/slides/slide43.xml><?xml version="1.0" encoding="utf-8"?>
+<file path=ppt/slides/slide45.xml><?xml version="1.0" encoding="utf-8"?>
 <p:sld xmlns:a="http://schemas.openxmlformats.org/drawingml/2006/main" xmlns:r="http://schemas.openxmlformats.org/officeDocument/2006/relationships" xmlns:p="http://schemas.openxmlformats.org/presentationml/2006/main">
   <p:cSld>
     <p:spTree>
@@ -21682,7 +22029,19 @@
           <a:bodyPr/>
           <a:lstStyle/>
           <a:p>
-            <a:endParaRPr kumimoji="1" lang="ja-JP" altLang="en-US"/>
+            <a:r>
+              <a:rPr kumimoji="1" lang="ja-JP" altLang="en-US" dirty="0"/>
+              <a:t>今回は省略するが、</a:t>
+            </a:r>
+            <a:r>
+              <a:rPr kumimoji="1" lang="en-US" altLang="ja-JP" dirty="0"/>
+              <a:t>CUI</a:t>
+            </a:r>
+            <a:r>
+              <a:rPr lang="ja-JP" altLang="en-US" dirty="0"/>
+              <a:t>に数字で流体計算の結果出力は今はあまりやらないので、画像出力などを検討してもよいと思う。</a:t>
+            </a:r>
+            <a:endParaRPr kumimoji="1" lang="ja-JP" altLang="en-US" dirty="0"/>
           </a:p>
         </p:txBody>
       </p:sp>
@@ -21699,7 +22058,7 @@
 </p:sld>
 </file>
 
-<file path=ppt/slides/slide44.xml><?xml version="1.0" encoding="utf-8"?>
+<file path=ppt/slides/slide46.xml><?xml version="1.0" encoding="utf-8"?>
 <p:sld xmlns:a="http://schemas.openxmlformats.org/drawingml/2006/main" xmlns:r="http://schemas.openxmlformats.org/officeDocument/2006/relationships" xmlns:p="http://schemas.openxmlformats.org/presentationml/2006/main">
   <p:cSld>
     <p:spTree>
@@ -21798,7 +22157,7 @@
 </p:sld>
 </file>
 
-<file path=ppt/slides/slide45.xml><?xml version="1.0" encoding="utf-8"?>
+<file path=ppt/slides/slide47.xml><?xml version="1.0" encoding="utf-8"?>
 <p:sld xmlns:a="http://schemas.openxmlformats.org/drawingml/2006/main" xmlns:r="http://schemas.openxmlformats.org/officeDocument/2006/relationships" xmlns:p="http://schemas.openxmlformats.org/presentationml/2006/main">
   <p:cSld>
     <p:spTree>
@@ -21869,7 +22228,10 @@
           <a:bodyPr/>
           <a:lstStyle/>
           <a:p>
-            <a:endParaRPr kumimoji="1" lang="ja-JP" altLang="en-US" dirty="0"/>
+            <a:r>
+              <a:rPr kumimoji="1" lang="ja-JP" altLang="en-US" dirty="0"/>
+              <a:t>今回はサブルーチンが長くないので、省略する。</a:t>
+            </a:r>
           </a:p>
         </p:txBody>
       </p:sp>
@@ -21886,7 +22248,7 @@
 </p:sld>
 </file>
 
-<file path=ppt/slides/slide46.xml><?xml version="1.0" encoding="utf-8"?>
+<file path=ppt/slides/slide48.xml><?xml version="1.0" encoding="utf-8"?>
 <p:sld xmlns:a="http://schemas.openxmlformats.org/drawingml/2006/main" xmlns:r="http://schemas.openxmlformats.org/officeDocument/2006/relationships" xmlns:p="http://schemas.openxmlformats.org/presentationml/2006/main">
   <p:cSld>
     <p:spTree>
@@ -21973,6 +22335,16 @@
           </a:p>
           <a:p>
             <a:r>
+              <a:rPr lang="ja-JP" altLang="en-US" dirty="0"/>
+              <a:t>やってみるといくつか追記したい部分（暗黙的にやっている部分）もあった</a:t>
+            </a:r>
+            <a:endParaRPr lang="en-US" altLang="ja-JP" dirty="0"/>
+          </a:p>
+          <a:p>
+            <a:endParaRPr lang="en-US" altLang="ja-JP" dirty="0"/>
+          </a:p>
+          <a:p>
+            <a:r>
               <a:rPr kumimoji="1" lang="ja-JP" altLang="en-US" dirty="0"/>
               <a:t>今後はもう少しリファクタリング本を追記して、リファクタリングを軸にした入門書にしていきたい</a:t>
             </a:r>
@@ -21984,6 +22356,89 @@
     <p:extLst>
       <p:ext uri="{BB962C8B-B14F-4D97-AF65-F5344CB8AC3E}">
         <p14:creationId xmlns:p14="http://schemas.microsoft.com/office/powerpoint/2010/main" val="2209093425"/>
+      </p:ext>
+    </p:extLst>
+  </p:cSld>
+  <p:clrMapOvr>
+    <a:masterClrMapping/>
+  </p:clrMapOvr>
+</p:sld>
+</file>
+
+<file path=ppt/slides/slide49.xml><?xml version="1.0" encoding="utf-8"?>
+<p:sld xmlns:a="http://schemas.openxmlformats.org/drawingml/2006/main" xmlns:r="http://schemas.openxmlformats.org/officeDocument/2006/relationships" xmlns:p="http://schemas.openxmlformats.org/presentationml/2006/main">
+  <p:cSld>
+    <p:spTree>
+      <p:nvGrpSpPr>
+        <p:cNvPr id="1" name=""/>
+        <p:cNvGrpSpPr/>
+        <p:nvPr/>
+      </p:nvGrpSpPr>
+      <p:grpSpPr>
+        <a:xfrm>
+          <a:off x="0" y="0"/>
+          <a:ext cx="0" cy="0"/>
+          <a:chOff x="0" y="0"/>
+          <a:chExt cx="0" cy="0"/>
+        </a:xfrm>
+      </p:grpSpPr>
+      <p:sp>
+        <p:nvSpPr>
+          <p:cNvPr id="4" name="タイトル 3">
+            <a:extLst>
+              <a:ext uri="{FF2B5EF4-FFF2-40B4-BE49-F238E27FC236}">
+                <a16:creationId xmlns:a16="http://schemas.microsoft.com/office/drawing/2014/main" id="{8C853FD3-ADA7-4EA4-9987-8C379D1A3730}"/>
+              </a:ext>
+            </a:extLst>
+          </p:cNvPr>
+          <p:cNvSpPr>
+            <a:spLocks noGrp="1"/>
+          </p:cNvSpPr>
+          <p:nvPr>
+            <p:ph type="ctrTitle"/>
+          </p:nvPr>
+        </p:nvSpPr>
+        <p:spPr/>
+        <p:txBody>
+          <a:bodyPr/>
+          <a:lstStyle/>
+          <a:p>
+            <a:r>
+              <a:rPr lang="ja-JP" altLang="en-US" dirty="0"/>
+              <a:t>ご清聴ありがとうございました</a:t>
+            </a:r>
+          </a:p>
+        </p:txBody>
+      </p:sp>
+      <p:sp>
+        <p:nvSpPr>
+          <p:cNvPr id="5" name="字幕 4">
+            <a:extLst>
+              <a:ext uri="{FF2B5EF4-FFF2-40B4-BE49-F238E27FC236}">
+                <a16:creationId xmlns:a16="http://schemas.microsoft.com/office/drawing/2014/main" id="{13661A32-0EAC-485E-AF77-EC6223F4C99E}"/>
+              </a:ext>
+            </a:extLst>
+          </p:cNvPr>
+          <p:cNvSpPr>
+            <a:spLocks noGrp="1"/>
+          </p:cNvSpPr>
+          <p:nvPr>
+            <p:ph type="subTitle" idx="1"/>
+          </p:nvPr>
+        </p:nvSpPr>
+        <p:spPr/>
+        <p:txBody>
+          <a:bodyPr/>
+          <a:lstStyle/>
+          <a:p>
+            <a:endParaRPr lang="ja-JP" altLang="en-US"/>
+          </a:p>
+        </p:txBody>
+      </p:sp>
+    </p:spTree>
+    <p:extLst>
+      <p:ext uri="{BB962C8B-B14F-4D97-AF65-F5344CB8AC3E}">
+        <p14:creationId xmlns:p14="http://schemas.microsoft.com/office/powerpoint/2010/main" val="2649589006"/>
       </p:ext>
     </p:extLst>
   </p:cSld>

--- a/ModernFortran.f10/20210724_リファクタリング.pptx
+++ b/ModernFortran.f10/20210724_リファクタリング.pptx
@@ -21624,38 +21624,64 @@
           </a:p>
           <a:p>
             <a:r>
-              <a:rPr lang="ja-JP" altLang="en-US" dirty="0"/>
+              <a:rPr kumimoji="1" lang="ja-JP" altLang="en-US" dirty="0"/>
+              <a:t>コメント文をＣから！に直す。</a:t>
+            </a:r>
+          </a:p>
+          <a:p>
+            <a:endParaRPr kumimoji="1" lang="ja-JP" altLang="en-US" dirty="0"/>
+          </a:p>
+          <a:p>
+            <a:r>
+              <a:rPr kumimoji="1" lang="ja-JP" altLang="en-US" dirty="0"/>
+              <a:t>拡張子を</a:t>
+            </a:r>
+            <a:r>
+              <a:rPr kumimoji="1" lang="en-US" altLang="ja-JP" dirty="0"/>
+              <a:t>f90</a:t>
+            </a:r>
+            <a:r>
+              <a:rPr kumimoji="1" lang="ja-JP" altLang="en-US" dirty="0"/>
+              <a:t>にする。</a:t>
+            </a:r>
+          </a:p>
+          <a:p>
+            <a:endParaRPr kumimoji="1" lang="ja-JP" altLang="en-US" dirty="0"/>
+          </a:p>
+          <a:p>
+            <a:r>
+              <a:rPr kumimoji="1" lang="ja-JP" altLang="en-US" dirty="0"/>
+              <a:t>改行を書き直す</a:t>
+            </a:r>
+          </a:p>
+          <a:p>
+            <a:endParaRPr kumimoji="1" lang="ja-JP" altLang="en-US" dirty="0"/>
+          </a:p>
+          <a:p>
+            <a:r>
+              <a:rPr kumimoji="1" lang="ja-JP" altLang="en-US" dirty="0"/>
               <a:t>インデックスずれを直す。</a:t>
             </a:r>
+          </a:p>
+          <a:p>
+            <a:endParaRPr kumimoji="1" lang="ja-JP" altLang="en-US" dirty="0"/>
+          </a:p>
+          <a:p>
+            <a:r>
+              <a:rPr kumimoji="1" lang="ja-JP" altLang="en-US" dirty="0"/>
+              <a:t>空白行やスペースなどを適宜入れて調整する。</a:t>
+            </a:r>
+            <a:endParaRPr kumimoji="1" lang="en-US" altLang="ja-JP" dirty="0"/>
+          </a:p>
+          <a:p>
             <a:endParaRPr lang="en-US" altLang="ja-JP" dirty="0"/>
           </a:p>
           <a:p>
-            <a:endParaRPr lang="en-US" altLang="ja-JP" dirty="0"/>
-          </a:p>
-          <a:p>
-            <a:r>
-              <a:rPr lang="ja-JP" altLang="en-US" dirty="0"/>
-              <a:t>コメント文をＣから！に直す</a:t>
-            </a:r>
-            <a:endParaRPr lang="en-US" altLang="ja-JP" dirty="0"/>
-          </a:p>
-          <a:p>
-            <a:endParaRPr lang="en-US" altLang="ja-JP" dirty="0"/>
-          </a:p>
-          <a:p>
-            <a:r>
-              <a:rPr lang="ja-JP" altLang="en-US" dirty="0"/>
-              <a:t>ファイル拡張子を</a:t>
-            </a:r>
-            <a:r>
-              <a:rPr lang="en-US" altLang="ja-JP" dirty="0"/>
-              <a:t>f90</a:t>
-            </a:r>
-            <a:r>
-              <a:rPr lang="ja-JP" altLang="en-US" dirty="0"/>
-              <a:t>にする</a:t>
-            </a:r>
-            <a:endParaRPr lang="en-US" altLang="ja-JP" dirty="0"/>
+            <a:r>
+              <a:rPr kumimoji="1" lang="ja-JP" altLang="en-US"/>
+              <a:t>条件式が大文字のままだったので直す。</a:t>
+            </a:r>
+            <a:endParaRPr kumimoji="1" lang="ja-JP" altLang="en-US" dirty="0"/>
           </a:p>
           <a:p>
             <a:endParaRPr kumimoji="1" lang="ja-JP" altLang="en-US" dirty="0"/>
@@ -21937,6 +21963,62 @@
           <a:bodyPr/>
           <a:lstStyle/>
           <a:p>
+            <a:r>
+              <a:rPr kumimoji="1" lang="en-US" altLang="ja-JP" dirty="0"/>
+              <a:t>OMG</a:t>
+            </a:r>
+            <a:r>
+              <a:rPr kumimoji="1" lang="ja-JP" altLang="en-US" dirty="0"/>
+              <a:t>→</a:t>
+            </a:r>
+            <a:r>
+              <a:rPr lang="en-US" altLang="ja-JP" dirty="0"/>
+              <a:t>OMEGA</a:t>
+            </a:r>
+            <a:r>
+              <a:rPr lang="ja-JP" altLang="en-US" dirty="0"/>
+              <a:t>、</a:t>
+            </a:r>
+            <a:r>
+              <a:rPr lang="en-US" altLang="ja-JP" dirty="0"/>
+              <a:t>TMP→TEMPORARY</a:t>
+            </a:r>
+            <a:r>
+              <a:rPr lang="ja-JP" altLang="en-US" dirty="0"/>
+              <a:t>、</a:t>
+            </a:r>
+            <a:r>
+              <a:rPr lang="en-US" altLang="ja-JP" dirty="0"/>
+              <a:t>EPS</a:t>
+            </a:r>
+            <a:r>
+              <a:rPr lang="ja-JP" altLang="en-US" dirty="0"/>
+              <a:t>→</a:t>
+            </a:r>
+            <a:r>
+              <a:rPr lang="en-US" altLang="ja-JP" b="0" i="0" dirty="0">
+                <a:solidFill>
+                  <a:srgbClr val="202122"/>
+                </a:solidFill>
+                <a:effectLst/>
+                <a:latin typeface="Arial" panose="020B0604020202020204" pitchFamily="34" charset="0"/>
+              </a:rPr>
+              <a:t>EPSILON</a:t>
+            </a:r>
+            <a:r>
+              <a:rPr lang="ja-JP" altLang="en-US" dirty="0"/>
+              <a:t>にする。</a:t>
+            </a:r>
+            <a:endParaRPr lang="en-US" altLang="ja-JP" dirty="0"/>
+          </a:p>
+          <a:p>
+            <a:endParaRPr kumimoji="1" lang="en-US" altLang="ja-JP" dirty="0"/>
+          </a:p>
+          <a:p>
+            <a:r>
+              <a:rPr lang="ja-JP" altLang="en-US" dirty="0"/>
+              <a:t>無茶苦茶に略している変数名がないのでこの程度にしておく。</a:t>
+            </a:r>
             <a:endParaRPr kumimoji="1" lang="ja-JP" altLang="en-US" dirty="0"/>
           </a:p>
         </p:txBody>
@@ -22230,8 +22312,13 @@
           <a:p>
             <a:r>
               <a:rPr kumimoji="1" lang="ja-JP" altLang="en-US" dirty="0"/>
-              <a:t>今回はサブルーチンが長くないので、省略する。</a:t>
-            </a:r>
+              <a:t>今回はそこまで長くもややこしくもないので省略</a:t>
+            </a:r>
+            <a:r>
+              <a:rPr lang="ja-JP" altLang="en-US" dirty="0"/>
+              <a:t>する。</a:t>
+            </a:r>
+            <a:endParaRPr kumimoji="1" lang="ja-JP" altLang="en-US" dirty="0"/>
           </a:p>
         </p:txBody>
       </p:sp>

--- a/ModernFortran.f10/20210724_リファクタリング.pptx
+++ b/ModernFortran.f10/20210724_リファクタリング.pptx
@@ -21617,9 +21617,6 @@
               <a:rPr kumimoji="1" lang="ja-JP" altLang="en-US" dirty="0"/>
               <a:t>文を直し忘れていたので直す。</a:t>
             </a:r>
-            <a:endParaRPr kumimoji="1" lang="en-US" altLang="ja-JP" dirty="0"/>
-          </a:p>
-          <a:p>
             <a:endParaRPr lang="en-US" altLang="ja-JP" dirty="0"/>
           </a:p>
           <a:p>
@@ -21629,9 +21626,6 @@
             </a:r>
           </a:p>
           <a:p>
-            <a:endParaRPr kumimoji="1" lang="ja-JP" altLang="en-US" dirty="0"/>
-          </a:p>
-          <a:p>
             <a:r>
               <a:rPr kumimoji="1" lang="ja-JP" altLang="en-US" dirty="0"/>
               <a:t>拡張子を</a:t>
@@ -21644,18 +21638,14 @@
               <a:rPr kumimoji="1" lang="ja-JP" altLang="en-US" dirty="0"/>
               <a:t>にする。</a:t>
             </a:r>
-          </a:p>
-          <a:p>
-            <a:endParaRPr kumimoji="1" lang="ja-JP" altLang="en-US" dirty="0"/>
-          </a:p>
-          <a:p>
+            <a:r>
+              <a:rPr kumimoji="1" lang="en-US" altLang="ja-JP" dirty="0"/>
+              <a:t>6</a:t>
+            </a:r>
             <a:r>
               <a:rPr kumimoji="1" lang="ja-JP" altLang="en-US" dirty="0"/>
-              <a:t>改行を書き直す</a:t>
-            </a:r>
-          </a:p>
-          <a:p>
-            <a:endParaRPr kumimoji="1" lang="ja-JP" altLang="en-US" dirty="0"/>
+              <a:t>桁目で継続行とするのを＆で継続に書き直す</a:t>
+            </a:r>
           </a:p>
           <a:p>
             <a:r>
@@ -21664,24 +21654,36 @@
             </a:r>
           </a:p>
           <a:p>
-            <a:endParaRPr kumimoji="1" lang="ja-JP" altLang="en-US" dirty="0"/>
-          </a:p>
-          <a:p>
             <a:r>
               <a:rPr kumimoji="1" lang="ja-JP" altLang="en-US" dirty="0"/>
               <a:t>空白行やスペースなどを適宜入れて調整する。</a:t>
             </a:r>
-            <a:endParaRPr kumimoji="1" lang="en-US" altLang="ja-JP" dirty="0"/>
-          </a:p>
-          <a:p>
             <a:endParaRPr lang="en-US" altLang="ja-JP" dirty="0"/>
           </a:p>
           <a:p>
             <a:r>
-              <a:rPr kumimoji="1" lang="ja-JP" altLang="en-US"/>
+              <a:rPr kumimoji="1" lang="ja-JP" altLang="en-US" dirty="0"/>
               <a:t>条件式が大文字のままだったので直す。</a:t>
             </a:r>
-            <a:endParaRPr kumimoji="1" lang="ja-JP" altLang="en-US" dirty="0"/>
+            <a:endParaRPr lang="en-US" altLang="ja-JP" dirty="0"/>
+          </a:p>
+          <a:p>
+            <a:r>
+              <a:rPr kumimoji="1" lang="en-US" altLang="ja-JP" dirty="0"/>
+              <a:t>program</a:t>
+            </a:r>
+            <a:r>
+              <a:rPr kumimoji="1" lang="ja-JP" altLang="en-US" dirty="0"/>
+              <a:t>文の最後の</a:t>
+            </a:r>
+            <a:r>
+              <a:rPr kumimoji="1" lang="en-US" altLang="ja-JP" dirty="0"/>
+              <a:t>stop</a:t>
+            </a:r>
+            <a:r>
+              <a:rPr kumimoji="1" lang="ja-JP" altLang="en-US" dirty="0"/>
+              <a:t>を消す（実行するたびにエラーが出る）。</a:t>
+            </a:r>
           </a:p>
           <a:p>
             <a:endParaRPr kumimoji="1" lang="ja-JP" altLang="en-US" dirty="0"/>
